--- a/lectures/05-Software.pptx
+++ b/lectures/05-Software.pptx
@@ -205,7 +205,7 @@
           <a:p>
             <a:fld id="{1C74C8C0-0C1E-D447-A6DA-5BF9E732D1EF}" type="datetimeFigureOut">
               <a:rPr lang="en-US" smtClean="0"/>
-              <a:t>8/26/25</a:t>
+              <a:t>8/30/25</a:t>
             </a:fld>
             <a:endParaRPr lang="en-US"/>
           </a:p>
@@ -703,7 +703,7 @@
           <a:p>
             <a:fld id="{D5D8E255-8371-B349-B2F5-F8C6C9FF431B}" type="datetimeFigureOut">
               <a:rPr lang="en-US" smtClean="0"/>
-              <a:t>8/26/25</a:t>
+              <a:t>8/30/25</a:t>
             </a:fld>
             <a:endParaRPr lang="en-US"/>
           </a:p>
@@ -901,7 +901,7 @@
           <a:p>
             <a:fld id="{D5D8E255-8371-B349-B2F5-F8C6C9FF431B}" type="datetimeFigureOut">
               <a:rPr lang="en-US" smtClean="0"/>
-              <a:t>8/26/25</a:t>
+              <a:t>8/30/25</a:t>
             </a:fld>
             <a:endParaRPr lang="en-US"/>
           </a:p>
@@ -1109,7 +1109,7 @@
           <a:p>
             <a:fld id="{D5D8E255-8371-B349-B2F5-F8C6C9FF431B}" type="datetimeFigureOut">
               <a:rPr lang="en-US" smtClean="0"/>
-              <a:t>8/26/25</a:t>
+              <a:t>8/30/25</a:t>
             </a:fld>
             <a:endParaRPr lang="en-US"/>
           </a:p>
@@ -1307,7 +1307,7 @@
           <a:p>
             <a:fld id="{D5D8E255-8371-B349-B2F5-F8C6C9FF431B}" type="datetimeFigureOut">
               <a:rPr lang="en-US" smtClean="0"/>
-              <a:t>8/26/25</a:t>
+              <a:t>8/30/25</a:t>
             </a:fld>
             <a:endParaRPr lang="en-US"/>
           </a:p>
@@ -1582,7 +1582,7 @@
           <a:p>
             <a:fld id="{D5D8E255-8371-B349-B2F5-F8C6C9FF431B}" type="datetimeFigureOut">
               <a:rPr lang="en-US" smtClean="0"/>
-              <a:t>8/26/25</a:t>
+              <a:t>8/30/25</a:t>
             </a:fld>
             <a:endParaRPr lang="en-US"/>
           </a:p>
@@ -1847,7 +1847,7 @@
           <a:p>
             <a:fld id="{D5D8E255-8371-B349-B2F5-F8C6C9FF431B}" type="datetimeFigureOut">
               <a:rPr lang="en-US" smtClean="0"/>
-              <a:t>8/26/25</a:t>
+              <a:t>8/30/25</a:t>
             </a:fld>
             <a:endParaRPr lang="en-US"/>
           </a:p>
@@ -2259,7 +2259,7 @@
           <a:p>
             <a:fld id="{D5D8E255-8371-B349-B2F5-F8C6C9FF431B}" type="datetimeFigureOut">
               <a:rPr lang="en-US" smtClean="0"/>
-              <a:t>8/26/25</a:t>
+              <a:t>8/30/25</a:t>
             </a:fld>
             <a:endParaRPr lang="en-US"/>
           </a:p>
@@ -2400,7 +2400,7 @@
           <a:p>
             <a:fld id="{D5D8E255-8371-B349-B2F5-F8C6C9FF431B}" type="datetimeFigureOut">
               <a:rPr lang="en-US" smtClean="0"/>
-              <a:t>8/26/25</a:t>
+              <a:t>8/30/25</a:t>
             </a:fld>
             <a:endParaRPr lang="en-US"/>
           </a:p>
@@ -2513,7 +2513,7 @@
           <a:p>
             <a:fld id="{D5D8E255-8371-B349-B2F5-F8C6C9FF431B}" type="datetimeFigureOut">
               <a:rPr lang="en-US" smtClean="0"/>
-              <a:t>8/26/25</a:t>
+              <a:t>8/30/25</a:t>
             </a:fld>
             <a:endParaRPr lang="en-US"/>
           </a:p>
@@ -2824,7 +2824,7 @@
           <a:p>
             <a:fld id="{D5D8E255-8371-B349-B2F5-F8C6C9FF431B}" type="datetimeFigureOut">
               <a:rPr lang="en-US" smtClean="0"/>
-              <a:t>8/26/25</a:t>
+              <a:t>8/30/25</a:t>
             </a:fld>
             <a:endParaRPr lang="en-US"/>
           </a:p>
@@ -3112,7 +3112,7 @@
           <a:p>
             <a:fld id="{D5D8E255-8371-B349-B2F5-F8C6C9FF431B}" type="datetimeFigureOut">
               <a:rPr lang="en-US" smtClean="0"/>
-              <a:t>8/26/25</a:t>
+              <a:t>8/30/25</a:t>
             </a:fld>
             <a:endParaRPr lang="en-US"/>
           </a:p>
@@ -3353,7 +3353,7 @@
           <a:p>
             <a:fld id="{D5D8E255-8371-B349-B2F5-F8C6C9FF431B}" type="datetimeFigureOut">
               <a:rPr lang="en-US" smtClean="0"/>
-              <a:t>8/26/25</a:t>
+              <a:t>8/30/25</a:t>
             </a:fld>
             <a:endParaRPr lang="en-US"/>
           </a:p>

--- a/lectures/05-Software.pptx
+++ b/lectures/05-Software.pptx
@@ -5,18 +5,19 @@
     <p:sldMasterId id="2147483648" r:id="rId1"/>
   </p:sldMasterIdLst>
   <p:notesMasterIdLst>
-    <p:notesMasterId r:id="rId11"/>
+    <p:notesMasterId r:id="rId12"/>
   </p:notesMasterIdLst>
   <p:sldIdLst>
     <p:sldId id="256" r:id="rId2"/>
     <p:sldId id="335" r:id="rId3"/>
     <p:sldId id="328" r:id="rId4"/>
     <p:sldId id="331" r:id="rId5"/>
-    <p:sldId id="330" r:id="rId6"/>
-    <p:sldId id="329" r:id="rId7"/>
-    <p:sldId id="333" r:id="rId8"/>
+    <p:sldId id="336" r:id="rId6"/>
+    <p:sldId id="333" r:id="rId7"/>
+    <p:sldId id="337" r:id="rId8"/>
     <p:sldId id="332" r:id="rId9"/>
     <p:sldId id="327" r:id="rId10"/>
+    <p:sldId id="338" r:id="rId11"/>
   </p:sldIdLst>
   <p:sldSz cx="12192000" cy="6858000"/>
   <p:notesSz cx="6858000" cy="9144000"/>
@@ -205,7 +206,7 @@
           <a:p>
             <a:fld id="{1C74C8C0-0C1E-D447-A6DA-5BF9E732D1EF}" type="datetimeFigureOut">
               <a:rPr lang="en-US" smtClean="0"/>
-              <a:t>8/30/25</a:t>
+              <a:t>9/23/25</a:t>
             </a:fld>
             <a:endParaRPr lang="en-US"/>
           </a:p>
@@ -703,7 +704,7 @@
           <a:p>
             <a:fld id="{D5D8E255-8371-B349-B2F5-F8C6C9FF431B}" type="datetimeFigureOut">
               <a:rPr lang="en-US" smtClean="0"/>
-              <a:t>8/30/25</a:t>
+              <a:t>9/23/25</a:t>
             </a:fld>
             <a:endParaRPr lang="en-US"/>
           </a:p>
@@ -901,7 +902,7 @@
           <a:p>
             <a:fld id="{D5D8E255-8371-B349-B2F5-F8C6C9FF431B}" type="datetimeFigureOut">
               <a:rPr lang="en-US" smtClean="0"/>
-              <a:t>8/30/25</a:t>
+              <a:t>9/23/25</a:t>
             </a:fld>
             <a:endParaRPr lang="en-US"/>
           </a:p>
@@ -1109,7 +1110,7 @@
           <a:p>
             <a:fld id="{D5D8E255-8371-B349-B2F5-F8C6C9FF431B}" type="datetimeFigureOut">
               <a:rPr lang="en-US" smtClean="0"/>
-              <a:t>8/30/25</a:t>
+              <a:t>9/23/25</a:t>
             </a:fld>
             <a:endParaRPr lang="en-US"/>
           </a:p>
@@ -1307,7 +1308,7 @@
           <a:p>
             <a:fld id="{D5D8E255-8371-B349-B2F5-F8C6C9FF431B}" type="datetimeFigureOut">
               <a:rPr lang="en-US" smtClean="0"/>
-              <a:t>8/30/25</a:t>
+              <a:t>9/23/25</a:t>
             </a:fld>
             <a:endParaRPr lang="en-US"/>
           </a:p>
@@ -1582,7 +1583,7 @@
           <a:p>
             <a:fld id="{D5D8E255-8371-B349-B2F5-F8C6C9FF431B}" type="datetimeFigureOut">
               <a:rPr lang="en-US" smtClean="0"/>
-              <a:t>8/30/25</a:t>
+              <a:t>9/23/25</a:t>
             </a:fld>
             <a:endParaRPr lang="en-US"/>
           </a:p>
@@ -1847,7 +1848,7 @@
           <a:p>
             <a:fld id="{D5D8E255-8371-B349-B2F5-F8C6C9FF431B}" type="datetimeFigureOut">
               <a:rPr lang="en-US" smtClean="0"/>
-              <a:t>8/30/25</a:t>
+              <a:t>9/23/25</a:t>
             </a:fld>
             <a:endParaRPr lang="en-US"/>
           </a:p>
@@ -2259,7 +2260,7 @@
           <a:p>
             <a:fld id="{D5D8E255-8371-B349-B2F5-F8C6C9FF431B}" type="datetimeFigureOut">
               <a:rPr lang="en-US" smtClean="0"/>
-              <a:t>8/30/25</a:t>
+              <a:t>9/23/25</a:t>
             </a:fld>
             <a:endParaRPr lang="en-US"/>
           </a:p>
@@ -2400,7 +2401,7 @@
           <a:p>
             <a:fld id="{D5D8E255-8371-B349-B2F5-F8C6C9FF431B}" type="datetimeFigureOut">
               <a:rPr lang="en-US" smtClean="0"/>
-              <a:t>8/30/25</a:t>
+              <a:t>9/23/25</a:t>
             </a:fld>
             <a:endParaRPr lang="en-US"/>
           </a:p>
@@ -2513,7 +2514,7 @@
           <a:p>
             <a:fld id="{D5D8E255-8371-B349-B2F5-F8C6C9FF431B}" type="datetimeFigureOut">
               <a:rPr lang="en-US" smtClean="0"/>
-              <a:t>8/30/25</a:t>
+              <a:t>9/23/25</a:t>
             </a:fld>
             <a:endParaRPr lang="en-US"/>
           </a:p>
@@ -2824,7 +2825,7 @@
           <a:p>
             <a:fld id="{D5D8E255-8371-B349-B2F5-F8C6C9FF431B}" type="datetimeFigureOut">
               <a:rPr lang="en-US" smtClean="0"/>
-              <a:t>8/30/25</a:t>
+              <a:t>9/23/25</a:t>
             </a:fld>
             <a:endParaRPr lang="en-US"/>
           </a:p>
@@ -3112,7 +3113,7 @@
           <a:p>
             <a:fld id="{D5D8E255-8371-B349-B2F5-F8C6C9FF431B}" type="datetimeFigureOut">
               <a:rPr lang="en-US" smtClean="0"/>
-              <a:t>8/30/25</a:t>
+              <a:t>9/23/25</a:t>
             </a:fld>
             <a:endParaRPr lang="en-US"/>
           </a:p>
@@ -3353,7 +3354,7 @@
           <a:p>
             <a:fld id="{D5D8E255-8371-B349-B2F5-F8C6C9FF431B}" type="datetimeFigureOut">
               <a:rPr lang="en-US" smtClean="0"/>
-              <a:t>8/30/25</a:t>
+              <a:t>9/23/25</a:t>
             </a:fld>
             <a:endParaRPr lang="en-US"/>
           </a:p>
@@ -3856,6 +3857,89 @@
 </p:sld>
 </file>
 
+<file path=ppt/slides/slide10.xml><?xml version="1.0" encoding="utf-8"?>
+<p:sld xmlns:a="http://schemas.openxmlformats.org/drawingml/2006/main" xmlns:r="http://schemas.openxmlformats.org/officeDocument/2006/relationships" xmlns:p="http://schemas.openxmlformats.org/presentationml/2006/main">
+  <p:cSld>
+    <p:spTree>
+      <p:nvGrpSpPr>
+        <p:cNvPr id="1" name=""/>
+        <p:cNvGrpSpPr/>
+        <p:nvPr/>
+      </p:nvGrpSpPr>
+      <p:grpSpPr>
+        <a:xfrm>
+          <a:off x="0" y="0"/>
+          <a:ext cx="0" cy="0"/>
+          <a:chOff x="0" y="0"/>
+          <a:chExt cx="0" cy="0"/>
+        </a:xfrm>
+      </p:grpSpPr>
+      <p:sp>
+        <p:nvSpPr>
+          <p:cNvPr id="2" name="Title 1">
+            <a:extLst>
+              <a:ext uri="{FF2B5EF4-FFF2-40B4-BE49-F238E27FC236}">
+                <a16:creationId xmlns:a16="http://schemas.microsoft.com/office/drawing/2014/main" id="{E7C1CF79-720B-078A-D0BC-383C99C547F6}"/>
+              </a:ext>
+            </a:extLst>
+          </p:cNvPr>
+          <p:cNvSpPr>
+            <a:spLocks noGrp="1"/>
+          </p:cNvSpPr>
+          <p:nvPr>
+            <p:ph type="title"/>
+          </p:nvPr>
+        </p:nvSpPr>
+        <p:spPr/>
+        <p:txBody>
+          <a:bodyPr/>
+          <a:lstStyle/>
+          <a:p>
+            <a:r>
+              <a:rPr lang="en-US" dirty="0"/>
+              <a:t>Compiler Phases</a:t>
+            </a:r>
+          </a:p>
+        </p:txBody>
+      </p:sp>
+      <p:sp>
+        <p:nvSpPr>
+          <p:cNvPr id="3" name="Content Placeholder 2">
+            <a:extLst>
+              <a:ext uri="{FF2B5EF4-FFF2-40B4-BE49-F238E27FC236}">
+                <a16:creationId xmlns:a16="http://schemas.microsoft.com/office/drawing/2014/main" id="{18E3A621-8AF2-A13F-2EF9-98124D5DEA7C}"/>
+              </a:ext>
+            </a:extLst>
+          </p:cNvPr>
+          <p:cNvSpPr>
+            <a:spLocks noGrp="1"/>
+          </p:cNvSpPr>
+          <p:nvPr>
+            <p:ph idx="1"/>
+          </p:nvPr>
+        </p:nvSpPr>
+        <p:spPr/>
+        <p:txBody>
+          <a:bodyPr/>
+          <a:lstStyle/>
+          <a:p>
+            <a:endParaRPr lang="en-US"/>
+          </a:p>
+        </p:txBody>
+      </p:sp>
+    </p:spTree>
+    <p:extLst>
+      <p:ext uri="{BB962C8B-B14F-4D97-AF65-F5344CB8AC3E}">
+        <p14:creationId xmlns:p14="http://schemas.microsoft.com/office/powerpoint/2010/main" val="2371237158"/>
+      </p:ext>
+    </p:extLst>
+  </p:cSld>
+  <p:clrMapOvr>
+    <a:masterClrMapping/>
+  </p:clrMapOvr>
+</p:sld>
+</file>
+
 <file path=ppt/slides/slide2.xml><?xml version="1.0" encoding="utf-8"?>
 <p:sld xmlns:a="http://schemas.openxmlformats.org/drawingml/2006/main" xmlns:r="http://schemas.openxmlformats.org/officeDocument/2006/relationships" xmlns:p="http://schemas.openxmlformats.org/presentationml/2006/main">
   <p:cSld>
@@ -3920,19 +4004,13 @@
         <p:spPr/>
         <p:txBody>
           <a:bodyPr>
-            <a:normAutofit fontScale="92500" lnSpcReduction="20000"/>
+            <a:normAutofit/>
           </a:bodyPr>
           <a:lstStyle/>
           <a:p>
             <a:r>
               <a:rPr lang="en-US" dirty="0"/>
-              <a:t>Turing Machine</a:t>
-            </a:r>
-          </a:p>
-          <a:p>
-            <a:r>
-              <a:rPr lang="en-US" dirty="0"/>
-              <a:t>Wires on a "board"</a:t>
+              <a:t>Turing Machine – What can be computed?</a:t>
             </a:r>
           </a:p>
           <a:p>
@@ -3944,31 +4022,13 @@
           <a:p>
             <a:r>
               <a:rPr lang="en-US" dirty="0"/>
+              <a:t>Punched Cards</a:t>
+            </a:r>
+          </a:p>
+          <a:p>
+            <a:r>
+              <a:rPr lang="en-US" dirty="0"/>
               <a:t>Compiler process</a:t>
-            </a:r>
-          </a:p>
-          <a:p>
-            <a:r>
-              <a:rPr lang="en-US" dirty="0"/>
-              <a:t>JVM</a:t>
-            </a:r>
-          </a:p>
-          <a:p>
-            <a:r>
-              <a:rPr lang="en-US" dirty="0"/>
-              <a:t>WASM</a:t>
-            </a:r>
-          </a:p>
-          <a:p>
-            <a:r>
-              <a:rPr lang="en-US" dirty="0"/>
-              <a:t>Emulators – Game Emulators</a:t>
-            </a:r>
-          </a:p>
-          <a:p>
-            <a:r>
-              <a:rPr lang="en-US" dirty="0"/>
-              <a:t>Virtual Machines</a:t>
             </a:r>
           </a:p>
           <a:p>
@@ -3983,10 +4043,9 @@
               <a:t>Hexdump</a:t>
             </a:r>
             <a:r>
-              <a:rPr lang="en-US"/>
+              <a:rPr lang="en-US" dirty="0"/>
               <a:t> various files</a:t>
             </a:r>
-            <a:endParaRPr lang="en-US" dirty="0"/>
           </a:p>
           <a:p>
             <a:endParaRPr lang="en-US" dirty="0"/>
@@ -4580,10 +4639,10 @@
       </p:grpSpPr>
       <p:sp>
         <p:nvSpPr>
-          <p:cNvPr id="4" name="Title 3">
-            <a:extLst>
-              <a:ext uri="{FF2B5EF4-FFF2-40B4-BE49-F238E27FC236}">
-                <a16:creationId xmlns:a16="http://schemas.microsoft.com/office/drawing/2014/main" id="{FFD18E3A-C036-ED0C-FC83-C253716A9AC5}"/>
+          <p:cNvPr id="2" name="Title 1">
+            <a:extLst>
+              <a:ext uri="{FF2B5EF4-FFF2-40B4-BE49-F238E27FC236}">
+                <a16:creationId xmlns:a16="http://schemas.microsoft.com/office/drawing/2014/main" id="{44D872BE-E0B6-D3FE-E6FF-79559DADE63C}"/>
               </a:ext>
             </a:extLst>
           </p:cNvPr>
@@ -4594,29 +4653,24 @@
             <p:ph type="title"/>
           </p:nvPr>
         </p:nvSpPr>
-        <p:spPr>
-          <a:xfrm>
-            <a:off x="838200" y="365125"/>
-            <a:ext cx="5052646" cy="1325563"/>
-          </a:xfrm>
-        </p:spPr>
+        <p:spPr/>
         <p:txBody>
           <a:bodyPr/>
           <a:lstStyle/>
           <a:p>
             <a:r>
               <a:rPr lang="en-US" dirty="0"/>
-              <a:t>Computer Architecture</a:t>
-            </a:r>
-          </a:p>
-        </p:txBody>
-      </p:sp>
-      <p:sp>
-        <p:nvSpPr>
-          <p:cNvPr id="7" name="Content Placeholder 6">
-            <a:extLst>
-              <a:ext uri="{FF2B5EF4-FFF2-40B4-BE49-F238E27FC236}">
-                <a16:creationId xmlns:a16="http://schemas.microsoft.com/office/drawing/2014/main" id="{E49A90A1-4D95-195B-A460-922DCA09E6E6}"/>
+              <a:t>Colossus</a:t>
+            </a:r>
+          </a:p>
+        </p:txBody>
+      </p:sp>
+      <p:sp>
+        <p:nvSpPr>
+          <p:cNvPr id="3" name="Content Placeholder 2">
+            <a:extLst>
+              <a:ext uri="{FF2B5EF4-FFF2-40B4-BE49-F238E27FC236}">
+                <a16:creationId xmlns:a16="http://schemas.microsoft.com/office/drawing/2014/main" id="{3857A7A4-FA05-132F-07D4-6FF8A184F9A0}"/>
               </a:ext>
             </a:extLst>
           </p:cNvPr>
@@ -4627,186 +4681,19 @@
             <p:ph idx="1"/>
           </p:nvPr>
         </p:nvSpPr>
-        <p:spPr>
-          <a:xfrm>
-            <a:off x="838200" y="1825625"/>
-            <a:ext cx="4771292" cy="3873194"/>
-          </a:xfrm>
-        </p:spPr>
-        <p:txBody>
-          <a:bodyPr>
-            <a:normAutofit/>
-          </a:bodyPr>
-          <a:lstStyle/>
-          <a:p>
-            <a:r>
-              <a:rPr lang="en-US" dirty="0"/>
-              <a:t>Within the computer data is moved using electric wires</a:t>
-            </a:r>
-          </a:p>
-          <a:p>
-            <a:r>
-              <a:rPr lang="en-US" dirty="0"/>
-              <a:t>Each wire generally has a voltage that is either a "0" or "1"</a:t>
-            </a:r>
-          </a:p>
-          <a:p>
-            <a:r>
-              <a:rPr lang="en-US" dirty="0"/>
-              <a:t>Wires connect components like the CPU, Memory, or other devices</a:t>
-            </a:r>
-          </a:p>
-        </p:txBody>
-      </p:sp>
-      <p:pic>
-        <p:nvPicPr>
-          <p:cNvPr id="1030" name="Picture 6">
-            <a:extLst>
-              <a:ext uri="{FF2B5EF4-FFF2-40B4-BE49-F238E27FC236}">
-                <a16:creationId xmlns:a16="http://schemas.microsoft.com/office/drawing/2014/main" id="{2DE2D932-74E9-C4E7-4DB7-F46E04FBC252}"/>
-              </a:ext>
-            </a:extLst>
-          </p:cNvPr>
-          <p:cNvPicPr>
-            <a:picLocks noChangeAspect="1" noChangeArrowheads="1"/>
-          </p:cNvPicPr>
-          <p:nvPr/>
-        </p:nvPicPr>
-        <p:blipFill>
-          <a:blip r:embed="rId2">
-            <a:extLst>
-              <a:ext uri="{28A0092B-C50C-407E-A947-70E740481C1C}">
-                <a14:useLocalDpi xmlns:a14="http://schemas.microsoft.com/office/drawing/2010/main" val="0"/>
-              </a:ext>
-            </a:extLst>
-          </a:blip>
-          <a:srcRect/>
-          <a:stretch>
-            <a:fillRect/>
-          </a:stretch>
-        </p:blipFill>
-        <p:spPr bwMode="auto">
-          <a:xfrm>
-            <a:off x="6301156" y="1175201"/>
-            <a:ext cx="5658615" cy="4067424"/>
-          </a:xfrm>
-          <a:prstGeom prst="rect">
-            <a:avLst/>
-          </a:prstGeom>
-          <a:noFill/>
-          <a:extLst>
-            <a:ext uri="{909E8E84-426E-40DD-AFC4-6F175D3DCCD1}">
-              <a14:hiddenFill xmlns:a14="http://schemas.microsoft.com/office/drawing/2010/main">
-                <a:solidFill>
-                  <a:srgbClr val="FFFFFF"/>
-                </a:solidFill>
-              </a14:hiddenFill>
-            </a:ext>
-          </a:extLst>
-        </p:spPr>
-      </p:pic>
-      <p:sp>
-        <p:nvSpPr>
-          <p:cNvPr id="6" name="TextBox 5">
-            <a:extLst>
-              <a:ext uri="{FF2B5EF4-FFF2-40B4-BE49-F238E27FC236}">
-                <a16:creationId xmlns:a16="http://schemas.microsoft.com/office/drawing/2014/main" id="{6C714407-5B02-6E11-CFD0-67CDEE2219CD}"/>
-              </a:ext>
-            </a:extLst>
-          </p:cNvPr>
-          <p:cNvSpPr txBox="1"/>
-          <p:nvPr/>
-        </p:nvSpPr>
-        <p:spPr>
-          <a:xfrm>
-            <a:off x="1064968" y="5833756"/>
-            <a:ext cx="6101860" cy="369332"/>
-          </a:xfrm>
-          <a:prstGeom prst="rect">
-            <a:avLst/>
-          </a:prstGeom>
-          <a:noFill/>
-        </p:spPr>
-        <p:txBody>
-          <a:bodyPr wrap="square">
-            <a:spAutoFit/>
-          </a:bodyPr>
-          <a:lstStyle/>
-          <a:p>
-            <a:r>
-              <a:rPr lang="en-US" dirty="0"/>
-              <a:t>https://</a:t>
-            </a:r>
-            <a:r>
-              <a:rPr lang="en-US" dirty="0" err="1"/>
-              <a:t>en.wikipedia.org</a:t>
-            </a:r>
-            <a:r>
-              <a:rPr lang="en-US" dirty="0"/>
-              <a:t>/wiki/</a:t>
-            </a:r>
-            <a:r>
-              <a:rPr lang="en-US" dirty="0" err="1"/>
-              <a:t>Printed_circuit_board</a:t>
-            </a:r>
-            <a:endParaRPr lang="en-US" dirty="0"/>
-          </a:p>
-        </p:txBody>
-      </p:sp>
-      <p:sp>
-        <p:nvSpPr>
-          <p:cNvPr id="8" name="TextBox 7">
-            <a:extLst>
-              <a:ext uri="{FF2B5EF4-FFF2-40B4-BE49-F238E27FC236}">
-                <a16:creationId xmlns:a16="http://schemas.microsoft.com/office/drawing/2014/main" id="{56C366E4-A1E8-1708-F1AA-965C56860991}"/>
-              </a:ext>
-            </a:extLst>
-          </p:cNvPr>
-          <p:cNvSpPr txBox="1"/>
-          <p:nvPr/>
-        </p:nvSpPr>
-        <p:spPr>
-          <a:xfrm>
-            <a:off x="7653167" y="5398477"/>
-            <a:ext cx="3299237" cy="923330"/>
-          </a:xfrm>
-          <a:prstGeom prst="rect">
-            <a:avLst/>
-          </a:prstGeom>
-          <a:noFill/>
-        </p:spPr>
-        <p:txBody>
-          <a:bodyPr wrap="none" rtlCol="0">
-            <a:spAutoFit/>
-          </a:bodyPr>
-          <a:lstStyle/>
-          <a:p>
-            <a:pPr algn="ctr"/>
-            <a:r>
-              <a:rPr lang="en-US" dirty="0"/>
-              <a:t>A sound chip from a 1980's </a:t>
-            </a:r>
-          </a:p>
-          <a:p>
-            <a:pPr algn="ctr"/>
-            <a:r>
-              <a:rPr lang="en-US" dirty="0"/>
-              <a:t>Commodore 64 connected to the</a:t>
-            </a:r>
-          </a:p>
-          <a:p>
-            <a:pPr algn="ctr"/>
-            <a:r>
-              <a:rPr lang="en-US" dirty="0"/>
-              <a:t>motherboard</a:t>
-            </a:r>
+        <p:spPr/>
+        <p:txBody>
+          <a:bodyPr/>
+          <a:lstStyle/>
+          <a:p>
+            <a:endParaRPr lang="en-US"/>
           </a:p>
         </p:txBody>
       </p:sp>
     </p:spTree>
     <p:extLst>
       <p:ext uri="{BB962C8B-B14F-4D97-AF65-F5344CB8AC3E}">
-        <p14:creationId xmlns:p14="http://schemas.microsoft.com/office/powerpoint/2010/main" val="3066853422"/>
+        <p14:creationId xmlns:p14="http://schemas.microsoft.com/office/powerpoint/2010/main" val="3664237411"/>
       </p:ext>
     </p:extLst>
   </p:cSld>
@@ -4838,7 +4725,7 @@
           <p:cNvPr id="2" name="Title 1">
             <a:extLst>
               <a:ext uri="{FF2B5EF4-FFF2-40B4-BE49-F238E27FC236}">
-                <a16:creationId xmlns:a16="http://schemas.microsoft.com/office/drawing/2014/main" id="{41DBDA2B-484E-DE2C-A813-6014CDB1F308}"/>
+                <a16:creationId xmlns:a16="http://schemas.microsoft.com/office/drawing/2014/main" id="{0B2DFEF0-C8E5-2F2C-98C0-3CE484732744}"/>
               </a:ext>
             </a:extLst>
           </p:cNvPr>
@@ -4856,31 +4743,171 @@
           <a:p>
             <a:r>
               <a:rPr lang="en-US" dirty="0"/>
-              <a:t>Wires transfer data</a:t>
-            </a:r>
-          </a:p>
-        </p:txBody>
-      </p:sp>
-      <p:sp>
-        <p:nvSpPr>
-          <p:cNvPr id="4" name="Rectangle 3">
-            <a:extLst>
-              <a:ext uri="{FF2B5EF4-FFF2-40B4-BE49-F238E27FC236}">
-                <a16:creationId xmlns:a16="http://schemas.microsoft.com/office/drawing/2014/main" id="{A3262C08-B4AE-EC53-A205-1E12C4D95C9F}"/>
-              </a:ext>
-            </a:extLst>
-          </p:cNvPr>
-          <p:cNvSpPr/>
+              <a:t>Writing Programs with Bits</a:t>
+            </a:r>
+          </a:p>
+        </p:txBody>
+      </p:sp>
+      <p:sp>
+        <p:nvSpPr>
+          <p:cNvPr id="3" name="Content Placeholder 2">
+            <a:extLst>
+              <a:ext uri="{FF2B5EF4-FFF2-40B4-BE49-F238E27FC236}">
+                <a16:creationId xmlns:a16="http://schemas.microsoft.com/office/drawing/2014/main" id="{F0D013F3-EB74-1B54-1EFD-2420944633EF}"/>
+              </a:ext>
+            </a:extLst>
+          </p:cNvPr>
+          <p:cNvSpPr>
+            <a:spLocks noGrp="1"/>
+          </p:cNvSpPr>
+          <p:nvPr>
+            <p:ph idx="1"/>
+          </p:nvPr>
+        </p:nvSpPr>
+        <p:spPr>
+          <a:xfrm>
+            <a:off x="838200" y="1825625"/>
+            <a:ext cx="4682490" cy="4351338"/>
+          </a:xfrm>
+        </p:spPr>
+        <p:txBody>
+          <a:bodyPr/>
+          <a:lstStyle/>
+          <a:p>
+            <a:r>
+              <a:rPr lang="en-US" dirty="0"/>
+              <a:t>In the old days, we encoded programs on paper tape</a:t>
+            </a:r>
+          </a:p>
+        </p:txBody>
+      </p:sp>
+      <p:pic>
+        <p:nvPicPr>
+          <p:cNvPr id="5" name="Picture 4" descr="A picture of a paper tape reader">
+            <a:extLst>
+              <a:ext uri="{FF2B5EF4-FFF2-40B4-BE49-F238E27FC236}">
+                <a16:creationId xmlns:a16="http://schemas.microsoft.com/office/drawing/2014/main" id="{A45F08D1-F4FD-6857-726A-96D1B8FE1497}"/>
+              </a:ext>
+            </a:extLst>
+          </p:cNvPr>
+          <p:cNvPicPr>
+            <a:picLocks noChangeAspect="1"/>
+          </p:cNvPicPr>
           <p:nvPr/>
-        </p:nvSpPr>
-        <p:spPr>
-          <a:xfrm>
-            <a:off x="2224458" y="1899964"/>
-            <a:ext cx="2004646" cy="3967161"/>
+        </p:nvPicPr>
+        <p:blipFill rotWithShape="1">
+          <a:blip r:embed="rId2"/>
+          <a:srcRect t="25482" r="35771"/>
+          <a:stretch/>
+        </p:blipFill>
+        <p:spPr>
+          <a:xfrm>
+            <a:off x="8807116" y="681037"/>
+            <a:ext cx="2885391" cy="2231746"/>
           </a:xfrm>
           <a:prstGeom prst="rect">
             <a:avLst/>
           </a:prstGeom>
+        </p:spPr>
+      </p:pic>
+      <p:sp>
+        <p:nvSpPr>
+          <p:cNvPr id="9" name="TextBox 8">
+            <a:extLst>
+              <a:ext uri="{FF2B5EF4-FFF2-40B4-BE49-F238E27FC236}">
+                <a16:creationId xmlns:a16="http://schemas.microsoft.com/office/drawing/2014/main" id="{8DBE1BD9-6337-560C-65E3-D51B7374B97E}"/>
+              </a:ext>
+            </a:extLst>
+          </p:cNvPr>
+          <p:cNvSpPr txBox="1"/>
+          <p:nvPr/>
+        </p:nvSpPr>
+        <p:spPr>
+          <a:xfrm>
+            <a:off x="7795369" y="6124138"/>
+            <a:ext cx="6096000" cy="369332"/>
+          </a:xfrm>
+          <a:prstGeom prst="rect">
+            <a:avLst/>
+          </a:prstGeom>
+          <a:noFill/>
+        </p:spPr>
+        <p:txBody>
+          <a:bodyPr wrap="square">
+            <a:spAutoFit/>
+          </a:bodyPr>
+          <a:lstStyle/>
+          <a:p>
+            <a:r>
+              <a:rPr lang="en-US" dirty="0"/>
+              <a:t>https://</a:t>
+            </a:r>
+            <a:r>
+              <a:rPr lang="en-US" dirty="0" err="1"/>
+              <a:t>en.wikipedia.org</a:t>
+            </a:r>
+            <a:r>
+              <a:rPr lang="en-US" dirty="0"/>
+              <a:t>/wiki/</a:t>
+            </a:r>
+            <a:r>
+              <a:rPr lang="en-US" dirty="0" err="1"/>
+              <a:t>Punched_tape</a:t>
+            </a:r>
+            <a:endParaRPr lang="en-US" dirty="0"/>
+          </a:p>
+        </p:txBody>
+      </p:sp>
+      <p:pic>
+        <p:nvPicPr>
+          <p:cNvPr id="10" name="Picture 9" descr="A punched paper tape&#10;">
+            <a:extLst>
+              <a:ext uri="{FF2B5EF4-FFF2-40B4-BE49-F238E27FC236}">
+                <a16:creationId xmlns:a16="http://schemas.microsoft.com/office/drawing/2014/main" id="{BD49EA0C-A3ED-099F-F2C0-19E61772A847}"/>
+              </a:ext>
+            </a:extLst>
+          </p:cNvPr>
+          <p:cNvPicPr>
+            <a:picLocks noChangeAspect="1"/>
+          </p:cNvPicPr>
+          <p:nvPr/>
+        </p:nvPicPr>
+        <p:blipFill rotWithShape="1">
+          <a:blip r:embed="rId3"/>
+          <a:srcRect l="58067" t="37074" r="16512" b="29037"/>
+          <a:stretch/>
+        </p:blipFill>
+        <p:spPr>
+          <a:xfrm rot="5400000">
+            <a:off x="935515" y="3742340"/>
+            <a:ext cx="2550319" cy="2271707"/>
+          </a:xfrm>
+          <a:prstGeom prst="rect">
+            <a:avLst/>
+          </a:prstGeom>
+        </p:spPr>
+      </p:pic>
+      <p:sp>
+        <p:nvSpPr>
+          <p:cNvPr id="11" name="Rectangle 10">
+            <a:extLst>
+              <a:ext uri="{FF2B5EF4-FFF2-40B4-BE49-F238E27FC236}">
+                <a16:creationId xmlns:a16="http://schemas.microsoft.com/office/drawing/2014/main" id="{D08270B4-E9F2-2A2D-C02E-D4755B6E0840}"/>
+              </a:ext>
+            </a:extLst>
+          </p:cNvPr>
+          <p:cNvSpPr/>
+          <p:nvPr/>
+        </p:nvSpPr>
+        <p:spPr>
+          <a:xfrm>
+            <a:off x="3818372" y="4027320"/>
+            <a:ext cx="434845" cy="369333"/>
+          </a:xfrm>
+          <a:prstGeom prst="rect">
+            <a:avLst/>
+          </a:prstGeom>
+          <a:noFill/>
         </p:spPr>
         <p:style>
           <a:lnRef idx="2">
@@ -4904,61 +4931,22 @@
           <a:p>
             <a:pPr algn="ctr"/>
             <a:r>
-              <a:rPr lang="en-US" sz="2400" dirty="0"/>
-              <a:t>Central</a:t>
-            </a:r>
-          </a:p>
-          <a:p>
-            <a:pPr algn="ctr"/>
-            <a:r>
-              <a:rPr lang="en-US" sz="2400" dirty="0"/>
-              <a:t>Processor</a:t>
-            </a:r>
-          </a:p>
-          <a:p>
-            <a:pPr algn="ctr"/>
-            <a:r>
-              <a:rPr lang="en-US" sz="2400" dirty="0"/>
-              <a:t>Unit (CPU)</a:t>
-            </a:r>
-          </a:p>
-          <a:p>
-            <a:pPr algn="ctr"/>
-            <a:endParaRPr lang="en-US" sz="2400" dirty="0"/>
-          </a:p>
-          <a:p>
-            <a:pPr algn="ctr"/>
-            <a:r>
-              <a:rPr lang="en-US" sz="2400" dirty="0"/>
-              <a:t>Registers</a:t>
-            </a:r>
-          </a:p>
-          <a:p>
-            <a:pPr algn="ctr"/>
-            <a:endParaRPr lang="en-US" sz="2400" dirty="0"/>
-          </a:p>
-          <a:p>
-            <a:pPr algn="ctr"/>
-            <a:r>
-              <a:rPr lang="en-US" sz="2400" dirty="0"/>
-              <a:t>+ - * /</a:t>
-            </a:r>
-          </a:p>
-          <a:p>
-            <a:pPr algn="ctr"/>
-            <a:r>
-              <a:rPr lang="en-US" sz="2400" dirty="0"/>
-              <a:t>&lt; &gt; == !=</a:t>
-            </a:r>
-          </a:p>
-        </p:txBody>
-      </p:sp>
-      <p:sp>
-        <p:nvSpPr>
-          <p:cNvPr id="5" name="Rectangle 4">
-            <a:extLst>
-              <a:ext uri="{FF2B5EF4-FFF2-40B4-BE49-F238E27FC236}">
-                <a16:creationId xmlns:a16="http://schemas.microsoft.com/office/drawing/2014/main" id="{61A27892-A523-42FD-C2CD-71EDC7DCC595}"/>
+              <a:rPr lang="en-US" dirty="0">
+                <a:solidFill>
+                  <a:schemeClr val="tx1"/>
+                </a:solidFill>
+              </a:rPr>
+              <a:t>0</a:t>
+            </a:r>
+          </a:p>
+        </p:txBody>
+      </p:sp>
+      <p:sp>
+        <p:nvSpPr>
+          <p:cNvPr id="12" name="Rectangle 11">
+            <a:extLst>
+              <a:ext uri="{FF2B5EF4-FFF2-40B4-BE49-F238E27FC236}">
+                <a16:creationId xmlns:a16="http://schemas.microsoft.com/office/drawing/2014/main" id="{5B127295-E999-F69B-21D1-97B320ACB76D}"/>
               </a:ext>
             </a:extLst>
           </p:cNvPr>
@@ -4967,12 +4955,13 @@
         </p:nvSpPr>
         <p:spPr>
           <a:xfrm>
-            <a:off x="7062628" y="1899964"/>
-            <a:ext cx="2004646" cy="3967161"/>
+            <a:off x="4253159" y="4027320"/>
+            <a:ext cx="434845" cy="369333"/>
           </a:xfrm>
           <a:prstGeom prst="rect">
             <a:avLst/>
           </a:prstGeom>
+          <a:noFill/>
         </p:spPr>
         <p:style>
           <a:lnRef idx="2">
@@ -4996,1369 +4985,468 @@
           <a:p>
             <a:pPr algn="ctr"/>
             <a:r>
-              <a:rPr lang="en-US" sz="2400" dirty="0"/>
-              <a:t>Memory</a:t>
-            </a:r>
-          </a:p>
-        </p:txBody>
-      </p:sp>
-      <p:grpSp>
-        <p:nvGrpSpPr>
-          <p:cNvPr id="41" name="Group 40">
-            <a:extLst>
-              <a:ext uri="{FF2B5EF4-FFF2-40B4-BE49-F238E27FC236}">
-                <a16:creationId xmlns:a16="http://schemas.microsoft.com/office/drawing/2014/main" id="{F43D0EEE-28CE-0FA1-5280-65CA72F3F383}"/>
-              </a:ext>
-            </a:extLst>
-          </p:cNvPr>
-          <p:cNvGrpSpPr/>
+              <a:rPr lang="en-US" dirty="0">
+                <a:solidFill>
+                  <a:schemeClr val="tx1"/>
+                </a:solidFill>
+              </a:rPr>
+              <a:t>0</a:t>
+            </a:r>
+          </a:p>
+        </p:txBody>
+      </p:sp>
+      <p:sp>
+        <p:nvSpPr>
+          <p:cNvPr id="13" name="Rectangle 12">
+            <a:extLst>
+              <a:ext uri="{FF2B5EF4-FFF2-40B4-BE49-F238E27FC236}">
+                <a16:creationId xmlns:a16="http://schemas.microsoft.com/office/drawing/2014/main" id="{F3480F94-2BC8-8161-041E-D9D3DFF020CF}"/>
+              </a:ext>
+            </a:extLst>
+          </p:cNvPr>
+          <p:cNvSpPr/>
           <p:nvPr/>
-        </p:nvGrpSpPr>
-        <p:grpSpPr>
-          <a:xfrm>
-            <a:off x="4300277" y="2266030"/>
-            <a:ext cx="2691179" cy="619125"/>
-            <a:chOff x="4757477" y="2237458"/>
-            <a:chExt cx="2691179" cy="619125"/>
-          </a:xfrm>
-        </p:grpSpPr>
-        <p:grpSp>
-          <p:nvGrpSpPr>
-            <p:cNvPr id="16" name="Group 15">
-              <a:extLst>
-                <a:ext uri="{FF2B5EF4-FFF2-40B4-BE49-F238E27FC236}">
-                  <a16:creationId xmlns:a16="http://schemas.microsoft.com/office/drawing/2014/main" id="{5EE3227B-EC9B-A8DF-6677-0E4FE1199F8D}"/>
-                </a:ext>
-              </a:extLst>
-            </p:cNvPr>
-            <p:cNvGrpSpPr/>
-            <p:nvPr/>
-          </p:nvGrpSpPr>
-          <p:grpSpPr>
-            <a:xfrm>
-              <a:off x="4757477" y="2237458"/>
-              <a:ext cx="2691179" cy="619125"/>
-              <a:chOff x="4954465" y="4400550"/>
-              <a:chExt cx="2691179" cy="1219200"/>
-            </a:xfrm>
-          </p:grpSpPr>
-          <p:cxnSp>
-            <p:nvCxnSpPr>
-              <p:cNvPr id="7" name="Straight Arrow Connector 6">
-                <a:extLst>
-                  <a:ext uri="{FF2B5EF4-FFF2-40B4-BE49-F238E27FC236}">
-                    <a16:creationId xmlns:a16="http://schemas.microsoft.com/office/drawing/2014/main" id="{9C5207C0-8848-AF4A-E08B-0365A831E9EB}"/>
-                  </a:ext>
-                </a:extLst>
-              </p:cNvPr>
-              <p:cNvCxnSpPr>
-                <a:cxnSpLocks/>
-              </p:cNvCxnSpPr>
-              <p:nvPr/>
-            </p:nvCxnSpPr>
-            <p:spPr>
-              <a:xfrm flipH="1">
-                <a:off x="4954465" y="4400550"/>
-                <a:ext cx="2691179" cy="0"/>
-              </a:xfrm>
-              <a:prstGeom prst="straightConnector1">
-                <a:avLst/>
-              </a:prstGeom>
-              <a:ln w="28575">
-                <a:tailEnd type="triangle"/>
-              </a:ln>
-            </p:spPr>
-            <p:style>
-              <a:lnRef idx="1">
-                <a:schemeClr val="accent1"/>
-              </a:lnRef>
-              <a:fillRef idx="0">
-                <a:schemeClr val="accent1"/>
-              </a:fillRef>
-              <a:effectRef idx="0">
-                <a:schemeClr val="accent1"/>
-              </a:effectRef>
-              <a:fontRef idx="minor">
-                <a:schemeClr val="tx1"/>
-              </a:fontRef>
-            </p:style>
-          </p:cxnSp>
-          <p:cxnSp>
-            <p:nvCxnSpPr>
-              <p:cNvPr id="8" name="Straight Arrow Connector 7">
-                <a:extLst>
-                  <a:ext uri="{FF2B5EF4-FFF2-40B4-BE49-F238E27FC236}">
-                    <a16:creationId xmlns:a16="http://schemas.microsoft.com/office/drawing/2014/main" id="{8412EB49-82AF-1131-5BFD-D1C101559CFD}"/>
-                  </a:ext>
-                </a:extLst>
-              </p:cNvPr>
-              <p:cNvCxnSpPr>
-                <a:cxnSpLocks/>
-              </p:cNvCxnSpPr>
-              <p:nvPr/>
-            </p:nvCxnSpPr>
-            <p:spPr>
-              <a:xfrm flipH="1">
-                <a:off x="4954465" y="4552950"/>
-                <a:ext cx="2691179" cy="0"/>
-              </a:xfrm>
-              <a:prstGeom prst="straightConnector1">
-                <a:avLst/>
-              </a:prstGeom>
-              <a:ln w="28575">
-                <a:tailEnd type="triangle"/>
-              </a:ln>
-            </p:spPr>
-            <p:style>
-              <a:lnRef idx="1">
-                <a:schemeClr val="accent1"/>
-              </a:lnRef>
-              <a:fillRef idx="0">
-                <a:schemeClr val="accent1"/>
-              </a:fillRef>
-              <a:effectRef idx="0">
-                <a:schemeClr val="accent1"/>
-              </a:effectRef>
-              <a:fontRef idx="minor">
-                <a:schemeClr val="tx1"/>
-              </a:fontRef>
-            </p:style>
-          </p:cxnSp>
-          <p:cxnSp>
-            <p:nvCxnSpPr>
-              <p:cNvPr id="9" name="Straight Arrow Connector 8">
-                <a:extLst>
-                  <a:ext uri="{FF2B5EF4-FFF2-40B4-BE49-F238E27FC236}">
-                    <a16:creationId xmlns:a16="http://schemas.microsoft.com/office/drawing/2014/main" id="{31DAC600-5E15-D82C-9AB0-26125D86840D}"/>
-                  </a:ext>
-                </a:extLst>
-              </p:cNvPr>
-              <p:cNvCxnSpPr>
-                <a:cxnSpLocks/>
-              </p:cNvCxnSpPr>
-              <p:nvPr/>
-            </p:nvCxnSpPr>
-            <p:spPr>
-              <a:xfrm flipH="1">
-                <a:off x="4954465" y="4705350"/>
-                <a:ext cx="2691179" cy="0"/>
-              </a:xfrm>
-              <a:prstGeom prst="straightConnector1">
-                <a:avLst/>
-              </a:prstGeom>
-              <a:ln w="28575">
-                <a:tailEnd type="triangle"/>
-              </a:ln>
-            </p:spPr>
-            <p:style>
-              <a:lnRef idx="1">
-                <a:schemeClr val="accent1"/>
-              </a:lnRef>
-              <a:fillRef idx="0">
-                <a:schemeClr val="accent1"/>
-              </a:fillRef>
-              <a:effectRef idx="0">
-                <a:schemeClr val="accent1"/>
-              </a:effectRef>
-              <a:fontRef idx="minor">
-                <a:schemeClr val="tx1"/>
-              </a:fontRef>
-            </p:style>
-          </p:cxnSp>
-          <p:cxnSp>
-            <p:nvCxnSpPr>
-              <p:cNvPr id="10" name="Straight Arrow Connector 9">
-                <a:extLst>
-                  <a:ext uri="{FF2B5EF4-FFF2-40B4-BE49-F238E27FC236}">
-                    <a16:creationId xmlns:a16="http://schemas.microsoft.com/office/drawing/2014/main" id="{2CB64720-E419-7D4B-C0ED-784375D4FD37}"/>
-                  </a:ext>
-                </a:extLst>
-              </p:cNvPr>
-              <p:cNvCxnSpPr>
-                <a:cxnSpLocks/>
-              </p:cNvCxnSpPr>
-              <p:nvPr/>
-            </p:nvCxnSpPr>
-            <p:spPr>
-              <a:xfrm flipH="1">
-                <a:off x="4954465" y="4857750"/>
-                <a:ext cx="2691179" cy="0"/>
-              </a:xfrm>
-              <a:prstGeom prst="straightConnector1">
-                <a:avLst/>
-              </a:prstGeom>
-              <a:ln w="28575">
-                <a:tailEnd type="triangle"/>
-              </a:ln>
-            </p:spPr>
-            <p:style>
-              <a:lnRef idx="1">
-                <a:schemeClr val="accent1"/>
-              </a:lnRef>
-              <a:fillRef idx="0">
-                <a:schemeClr val="accent1"/>
-              </a:fillRef>
-              <a:effectRef idx="0">
-                <a:schemeClr val="accent1"/>
-              </a:effectRef>
-              <a:fontRef idx="minor">
-                <a:schemeClr val="tx1"/>
-              </a:fontRef>
-            </p:style>
-          </p:cxnSp>
-          <p:cxnSp>
-            <p:nvCxnSpPr>
-              <p:cNvPr id="11" name="Straight Arrow Connector 10">
-                <a:extLst>
-                  <a:ext uri="{FF2B5EF4-FFF2-40B4-BE49-F238E27FC236}">
-                    <a16:creationId xmlns:a16="http://schemas.microsoft.com/office/drawing/2014/main" id="{3100C8E9-EED3-BEB2-2CB2-F687499570C4}"/>
-                  </a:ext>
-                </a:extLst>
-              </p:cNvPr>
-              <p:cNvCxnSpPr>
-                <a:cxnSpLocks/>
-              </p:cNvCxnSpPr>
-              <p:nvPr/>
-            </p:nvCxnSpPr>
-            <p:spPr>
-              <a:xfrm flipH="1">
-                <a:off x="4954465" y="5010150"/>
-                <a:ext cx="2691179" cy="0"/>
-              </a:xfrm>
-              <a:prstGeom prst="straightConnector1">
-                <a:avLst/>
-              </a:prstGeom>
-              <a:ln w="28575">
-                <a:tailEnd type="triangle"/>
-              </a:ln>
-            </p:spPr>
-            <p:style>
-              <a:lnRef idx="1">
-                <a:schemeClr val="accent1"/>
-              </a:lnRef>
-              <a:fillRef idx="0">
-                <a:schemeClr val="accent1"/>
-              </a:fillRef>
-              <a:effectRef idx="0">
-                <a:schemeClr val="accent1"/>
-              </a:effectRef>
-              <a:fontRef idx="minor">
-                <a:schemeClr val="tx1"/>
-              </a:fontRef>
-            </p:style>
-          </p:cxnSp>
-          <p:cxnSp>
-            <p:nvCxnSpPr>
-              <p:cNvPr id="12" name="Straight Arrow Connector 11">
-                <a:extLst>
-                  <a:ext uri="{FF2B5EF4-FFF2-40B4-BE49-F238E27FC236}">
-                    <a16:creationId xmlns:a16="http://schemas.microsoft.com/office/drawing/2014/main" id="{0C6747F1-FF7E-8637-74D7-E51AC654ED5C}"/>
-                  </a:ext>
-                </a:extLst>
-              </p:cNvPr>
-              <p:cNvCxnSpPr>
-                <a:cxnSpLocks/>
-              </p:cNvCxnSpPr>
-              <p:nvPr/>
-            </p:nvCxnSpPr>
-            <p:spPr>
-              <a:xfrm flipH="1">
-                <a:off x="4954465" y="5162550"/>
-                <a:ext cx="2691179" cy="0"/>
-              </a:xfrm>
-              <a:prstGeom prst="straightConnector1">
-                <a:avLst/>
-              </a:prstGeom>
-              <a:ln w="28575">
-                <a:tailEnd type="triangle"/>
-              </a:ln>
-            </p:spPr>
-            <p:style>
-              <a:lnRef idx="1">
-                <a:schemeClr val="accent1"/>
-              </a:lnRef>
-              <a:fillRef idx="0">
-                <a:schemeClr val="accent1"/>
-              </a:fillRef>
-              <a:effectRef idx="0">
-                <a:schemeClr val="accent1"/>
-              </a:effectRef>
-              <a:fontRef idx="minor">
-                <a:schemeClr val="tx1"/>
-              </a:fontRef>
-            </p:style>
-          </p:cxnSp>
-          <p:cxnSp>
-            <p:nvCxnSpPr>
-              <p:cNvPr id="13" name="Straight Arrow Connector 12">
-                <a:extLst>
-                  <a:ext uri="{FF2B5EF4-FFF2-40B4-BE49-F238E27FC236}">
-                    <a16:creationId xmlns:a16="http://schemas.microsoft.com/office/drawing/2014/main" id="{F5FEF0E3-1BB7-34B9-309A-82F25BAB2A27}"/>
-                  </a:ext>
-                </a:extLst>
-              </p:cNvPr>
-              <p:cNvCxnSpPr>
-                <a:cxnSpLocks/>
-              </p:cNvCxnSpPr>
-              <p:nvPr/>
-            </p:nvCxnSpPr>
-            <p:spPr>
-              <a:xfrm flipH="1">
-                <a:off x="4954465" y="5314950"/>
-                <a:ext cx="2691179" cy="0"/>
-              </a:xfrm>
-              <a:prstGeom prst="straightConnector1">
-                <a:avLst/>
-              </a:prstGeom>
-              <a:ln w="28575">
-                <a:tailEnd type="triangle"/>
-              </a:ln>
-            </p:spPr>
-            <p:style>
-              <a:lnRef idx="1">
-                <a:schemeClr val="accent1"/>
-              </a:lnRef>
-              <a:fillRef idx="0">
-                <a:schemeClr val="accent1"/>
-              </a:fillRef>
-              <a:effectRef idx="0">
-                <a:schemeClr val="accent1"/>
-              </a:effectRef>
-              <a:fontRef idx="minor">
-                <a:schemeClr val="tx1"/>
-              </a:fontRef>
-            </p:style>
-          </p:cxnSp>
-          <p:cxnSp>
-            <p:nvCxnSpPr>
-              <p:cNvPr id="14" name="Straight Arrow Connector 13">
-                <a:extLst>
-                  <a:ext uri="{FF2B5EF4-FFF2-40B4-BE49-F238E27FC236}">
-                    <a16:creationId xmlns:a16="http://schemas.microsoft.com/office/drawing/2014/main" id="{C4FDF4CA-B107-DB79-ED2F-80AFC3041D4F}"/>
-                  </a:ext>
-                </a:extLst>
-              </p:cNvPr>
-              <p:cNvCxnSpPr>
-                <a:cxnSpLocks/>
-              </p:cNvCxnSpPr>
-              <p:nvPr/>
-            </p:nvCxnSpPr>
-            <p:spPr>
-              <a:xfrm flipH="1">
-                <a:off x="4954465" y="5467350"/>
-                <a:ext cx="2691179" cy="0"/>
-              </a:xfrm>
-              <a:prstGeom prst="straightConnector1">
-                <a:avLst/>
-              </a:prstGeom>
-              <a:ln w="28575">
-                <a:tailEnd type="triangle"/>
-              </a:ln>
-            </p:spPr>
-            <p:style>
-              <a:lnRef idx="1">
-                <a:schemeClr val="accent1"/>
-              </a:lnRef>
-              <a:fillRef idx="0">
-                <a:schemeClr val="accent1"/>
-              </a:fillRef>
-              <a:effectRef idx="0">
-                <a:schemeClr val="accent1"/>
-              </a:effectRef>
-              <a:fontRef idx="minor">
-                <a:schemeClr val="tx1"/>
-              </a:fontRef>
-            </p:style>
-          </p:cxnSp>
-          <p:cxnSp>
-            <p:nvCxnSpPr>
-              <p:cNvPr id="15" name="Straight Arrow Connector 14">
-                <a:extLst>
-                  <a:ext uri="{FF2B5EF4-FFF2-40B4-BE49-F238E27FC236}">
-                    <a16:creationId xmlns:a16="http://schemas.microsoft.com/office/drawing/2014/main" id="{92AE7FE8-3464-3E0B-DCB2-59E4667397FA}"/>
-                  </a:ext>
-                </a:extLst>
-              </p:cNvPr>
-              <p:cNvCxnSpPr>
-                <a:cxnSpLocks/>
-              </p:cNvCxnSpPr>
-              <p:nvPr/>
-            </p:nvCxnSpPr>
-            <p:spPr>
-              <a:xfrm flipH="1">
-                <a:off x="4954465" y="5619750"/>
-                <a:ext cx="2691179" cy="0"/>
-              </a:xfrm>
-              <a:prstGeom prst="straightConnector1">
-                <a:avLst/>
-              </a:prstGeom>
-              <a:ln w="28575">
-                <a:tailEnd type="triangle"/>
-              </a:ln>
-            </p:spPr>
-            <p:style>
-              <a:lnRef idx="1">
-                <a:schemeClr val="accent1"/>
-              </a:lnRef>
-              <a:fillRef idx="0">
-                <a:schemeClr val="accent1"/>
-              </a:fillRef>
-              <a:effectRef idx="0">
-                <a:schemeClr val="accent1"/>
-              </a:effectRef>
-              <a:fontRef idx="minor">
-                <a:schemeClr val="tx1"/>
-              </a:fontRef>
-            </p:style>
-          </p:cxnSp>
-        </p:grpSp>
-        <p:sp>
-          <p:nvSpPr>
-            <p:cNvPr id="37" name="TextBox 36">
-              <a:extLst>
-                <a:ext uri="{FF2B5EF4-FFF2-40B4-BE49-F238E27FC236}">
-                  <a16:creationId xmlns:a16="http://schemas.microsoft.com/office/drawing/2014/main" id="{7B26762B-70F6-8B51-8DC5-E36F491F867C}"/>
-                </a:ext>
-              </a:extLst>
-            </p:cNvPr>
-            <p:cNvSpPr txBox="1"/>
-            <p:nvPr/>
-          </p:nvSpPr>
-          <p:spPr>
-            <a:xfrm>
-              <a:off x="5457377" y="2362354"/>
-              <a:ext cx="1291379" cy="369332"/>
-            </a:xfrm>
-            <a:prstGeom prst="rect">
-              <a:avLst/>
-            </a:prstGeom>
-            <a:solidFill>
-              <a:schemeClr val="bg1"/>
-            </a:solidFill>
-          </p:spPr>
-          <p:txBody>
-            <a:bodyPr wrap="none" rtlCol="0">
-              <a:spAutoFit/>
-            </a:bodyPr>
-            <a:lstStyle/>
-            <a:p>
-              <a:r>
-                <a:rPr lang="en-US" dirty="0"/>
-                <a:t>Instructions</a:t>
-              </a:r>
-            </a:p>
-          </p:txBody>
-        </p:sp>
-      </p:grpSp>
-      <p:grpSp>
-        <p:nvGrpSpPr>
-          <p:cNvPr id="42" name="Group 41">
-            <a:extLst>
-              <a:ext uri="{FF2B5EF4-FFF2-40B4-BE49-F238E27FC236}">
-                <a16:creationId xmlns:a16="http://schemas.microsoft.com/office/drawing/2014/main" id="{6804C609-4A16-CB92-46DF-6E69DD76A365}"/>
-              </a:ext>
-            </a:extLst>
-          </p:cNvPr>
-          <p:cNvGrpSpPr/>
+        </p:nvSpPr>
+        <p:spPr>
+          <a:xfrm>
+            <a:off x="4688004" y="4027320"/>
+            <a:ext cx="434845" cy="369333"/>
+          </a:xfrm>
+          <a:prstGeom prst="rect">
+            <a:avLst/>
+          </a:prstGeom>
+          <a:noFill/>
+        </p:spPr>
+        <p:style>
+          <a:lnRef idx="2">
+            <a:schemeClr val="accent1">
+              <a:shade val="50000"/>
+            </a:schemeClr>
+          </a:lnRef>
+          <a:fillRef idx="1">
+            <a:schemeClr val="accent1"/>
+          </a:fillRef>
+          <a:effectRef idx="0">
+            <a:schemeClr val="accent1"/>
+          </a:effectRef>
+          <a:fontRef idx="minor">
+            <a:schemeClr val="lt1"/>
+          </a:fontRef>
+        </p:style>
+        <p:txBody>
+          <a:bodyPr rtlCol="0" anchor="ctr"/>
+          <a:lstStyle/>
+          <a:p>
+            <a:pPr algn="ctr"/>
+            <a:r>
+              <a:rPr lang="en-US" dirty="0">
+                <a:solidFill>
+                  <a:schemeClr val="tx1"/>
+                </a:solidFill>
+              </a:rPr>
+              <a:t>1</a:t>
+            </a:r>
+          </a:p>
+        </p:txBody>
+      </p:sp>
+      <p:sp>
+        <p:nvSpPr>
+          <p:cNvPr id="14" name="Rectangle 13">
+            <a:extLst>
+              <a:ext uri="{FF2B5EF4-FFF2-40B4-BE49-F238E27FC236}">
+                <a16:creationId xmlns:a16="http://schemas.microsoft.com/office/drawing/2014/main" id="{F3C4080D-3C18-85FC-F52E-7B761453DC02}"/>
+              </a:ext>
+            </a:extLst>
+          </p:cNvPr>
+          <p:cNvSpPr/>
           <p:nvPr/>
-        </p:nvGrpSpPr>
-        <p:grpSpPr>
-          <a:xfrm>
-            <a:off x="4300277" y="3579933"/>
-            <a:ext cx="2691179" cy="619125"/>
-            <a:chOff x="4757477" y="3465633"/>
-            <a:chExt cx="2691179" cy="619125"/>
-          </a:xfrm>
-        </p:grpSpPr>
-        <p:grpSp>
-          <p:nvGrpSpPr>
-            <p:cNvPr id="17" name="Group 16">
-              <a:extLst>
-                <a:ext uri="{FF2B5EF4-FFF2-40B4-BE49-F238E27FC236}">
-                  <a16:creationId xmlns:a16="http://schemas.microsoft.com/office/drawing/2014/main" id="{63B1A9FC-2AAC-906F-DE7D-705FB6D7C6C9}"/>
-                </a:ext>
-              </a:extLst>
-            </p:cNvPr>
-            <p:cNvGrpSpPr/>
-            <p:nvPr/>
-          </p:nvGrpSpPr>
-          <p:grpSpPr>
-            <a:xfrm flipH="1">
-              <a:off x="4757477" y="3465633"/>
-              <a:ext cx="2691179" cy="619125"/>
-              <a:chOff x="4954465" y="4400550"/>
-              <a:chExt cx="2691179" cy="1219200"/>
-            </a:xfrm>
-          </p:grpSpPr>
-          <p:cxnSp>
-            <p:nvCxnSpPr>
-              <p:cNvPr id="18" name="Straight Arrow Connector 17">
-                <a:extLst>
-                  <a:ext uri="{FF2B5EF4-FFF2-40B4-BE49-F238E27FC236}">
-                    <a16:creationId xmlns:a16="http://schemas.microsoft.com/office/drawing/2014/main" id="{30FCA3A1-9954-FC74-2235-8F61DAEDF900}"/>
-                  </a:ext>
-                </a:extLst>
-              </p:cNvPr>
-              <p:cNvCxnSpPr>
-                <a:cxnSpLocks/>
-              </p:cNvCxnSpPr>
-              <p:nvPr/>
-            </p:nvCxnSpPr>
-            <p:spPr>
-              <a:xfrm flipH="1">
-                <a:off x="4954465" y="4400550"/>
-                <a:ext cx="2691179" cy="0"/>
-              </a:xfrm>
-              <a:prstGeom prst="straightConnector1">
-                <a:avLst/>
-              </a:prstGeom>
-              <a:ln w="28575">
-                <a:tailEnd type="triangle"/>
-              </a:ln>
-            </p:spPr>
-            <p:style>
-              <a:lnRef idx="1">
-                <a:schemeClr val="accent1"/>
-              </a:lnRef>
-              <a:fillRef idx="0">
-                <a:schemeClr val="accent1"/>
-              </a:fillRef>
-              <a:effectRef idx="0">
-                <a:schemeClr val="accent1"/>
-              </a:effectRef>
-              <a:fontRef idx="minor">
-                <a:schemeClr val="tx1"/>
-              </a:fontRef>
-            </p:style>
-          </p:cxnSp>
-          <p:cxnSp>
-            <p:nvCxnSpPr>
-              <p:cNvPr id="19" name="Straight Arrow Connector 18">
-                <a:extLst>
-                  <a:ext uri="{FF2B5EF4-FFF2-40B4-BE49-F238E27FC236}">
-                    <a16:creationId xmlns:a16="http://schemas.microsoft.com/office/drawing/2014/main" id="{E8D7B201-6DC4-9244-2080-2E68429883E2}"/>
-                  </a:ext>
-                </a:extLst>
-              </p:cNvPr>
-              <p:cNvCxnSpPr>
-                <a:cxnSpLocks/>
-              </p:cNvCxnSpPr>
-              <p:nvPr/>
-            </p:nvCxnSpPr>
-            <p:spPr>
-              <a:xfrm flipH="1">
-                <a:off x="4954465" y="4552950"/>
-                <a:ext cx="2691179" cy="0"/>
-              </a:xfrm>
-              <a:prstGeom prst="straightConnector1">
-                <a:avLst/>
-              </a:prstGeom>
-              <a:ln w="28575">
-                <a:tailEnd type="triangle"/>
-              </a:ln>
-            </p:spPr>
-            <p:style>
-              <a:lnRef idx="1">
-                <a:schemeClr val="accent1"/>
-              </a:lnRef>
-              <a:fillRef idx="0">
-                <a:schemeClr val="accent1"/>
-              </a:fillRef>
-              <a:effectRef idx="0">
-                <a:schemeClr val="accent1"/>
-              </a:effectRef>
-              <a:fontRef idx="minor">
-                <a:schemeClr val="tx1"/>
-              </a:fontRef>
-            </p:style>
-          </p:cxnSp>
-          <p:cxnSp>
-            <p:nvCxnSpPr>
-              <p:cNvPr id="20" name="Straight Arrow Connector 19">
-                <a:extLst>
-                  <a:ext uri="{FF2B5EF4-FFF2-40B4-BE49-F238E27FC236}">
-                    <a16:creationId xmlns:a16="http://schemas.microsoft.com/office/drawing/2014/main" id="{CEBBA59C-D0DF-FEB9-53B1-F558DB9111CA}"/>
-                  </a:ext>
-                </a:extLst>
-              </p:cNvPr>
-              <p:cNvCxnSpPr>
-                <a:cxnSpLocks/>
-              </p:cNvCxnSpPr>
-              <p:nvPr/>
-            </p:nvCxnSpPr>
-            <p:spPr>
-              <a:xfrm flipH="1">
-                <a:off x="4954465" y="4705350"/>
-                <a:ext cx="2691179" cy="0"/>
-              </a:xfrm>
-              <a:prstGeom prst="straightConnector1">
-                <a:avLst/>
-              </a:prstGeom>
-              <a:ln w="28575">
-                <a:tailEnd type="triangle"/>
-              </a:ln>
-            </p:spPr>
-            <p:style>
-              <a:lnRef idx="1">
-                <a:schemeClr val="accent1"/>
-              </a:lnRef>
-              <a:fillRef idx="0">
-                <a:schemeClr val="accent1"/>
-              </a:fillRef>
-              <a:effectRef idx="0">
-                <a:schemeClr val="accent1"/>
-              </a:effectRef>
-              <a:fontRef idx="minor">
-                <a:schemeClr val="tx1"/>
-              </a:fontRef>
-            </p:style>
-          </p:cxnSp>
-          <p:cxnSp>
-            <p:nvCxnSpPr>
-              <p:cNvPr id="21" name="Straight Arrow Connector 20">
-                <a:extLst>
-                  <a:ext uri="{FF2B5EF4-FFF2-40B4-BE49-F238E27FC236}">
-                    <a16:creationId xmlns:a16="http://schemas.microsoft.com/office/drawing/2014/main" id="{E7D7F73C-9787-11DC-3CF6-94E2923BD4EB}"/>
-                  </a:ext>
-                </a:extLst>
-              </p:cNvPr>
-              <p:cNvCxnSpPr>
-                <a:cxnSpLocks/>
-              </p:cNvCxnSpPr>
-              <p:nvPr/>
-            </p:nvCxnSpPr>
-            <p:spPr>
-              <a:xfrm flipH="1">
-                <a:off x="4954465" y="4857750"/>
-                <a:ext cx="2691179" cy="0"/>
-              </a:xfrm>
-              <a:prstGeom prst="straightConnector1">
-                <a:avLst/>
-              </a:prstGeom>
-              <a:ln w="28575">
-                <a:tailEnd type="triangle"/>
-              </a:ln>
-            </p:spPr>
-            <p:style>
-              <a:lnRef idx="1">
-                <a:schemeClr val="accent1"/>
-              </a:lnRef>
-              <a:fillRef idx="0">
-                <a:schemeClr val="accent1"/>
-              </a:fillRef>
-              <a:effectRef idx="0">
-                <a:schemeClr val="accent1"/>
-              </a:effectRef>
-              <a:fontRef idx="minor">
-                <a:schemeClr val="tx1"/>
-              </a:fontRef>
-            </p:style>
-          </p:cxnSp>
-          <p:cxnSp>
-            <p:nvCxnSpPr>
-              <p:cNvPr id="22" name="Straight Arrow Connector 21">
-                <a:extLst>
-                  <a:ext uri="{FF2B5EF4-FFF2-40B4-BE49-F238E27FC236}">
-                    <a16:creationId xmlns:a16="http://schemas.microsoft.com/office/drawing/2014/main" id="{5D26A449-DB92-C87F-47D5-46A59A700601}"/>
-                  </a:ext>
-                </a:extLst>
-              </p:cNvPr>
-              <p:cNvCxnSpPr>
-                <a:cxnSpLocks/>
-              </p:cNvCxnSpPr>
-              <p:nvPr/>
-            </p:nvCxnSpPr>
-            <p:spPr>
-              <a:xfrm flipH="1">
-                <a:off x="4954465" y="5010150"/>
-                <a:ext cx="2691179" cy="0"/>
-              </a:xfrm>
-              <a:prstGeom prst="straightConnector1">
-                <a:avLst/>
-              </a:prstGeom>
-              <a:ln w="28575">
-                <a:tailEnd type="triangle"/>
-              </a:ln>
-            </p:spPr>
-            <p:style>
-              <a:lnRef idx="1">
-                <a:schemeClr val="accent1"/>
-              </a:lnRef>
-              <a:fillRef idx="0">
-                <a:schemeClr val="accent1"/>
-              </a:fillRef>
-              <a:effectRef idx="0">
-                <a:schemeClr val="accent1"/>
-              </a:effectRef>
-              <a:fontRef idx="minor">
-                <a:schemeClr val="tx1"/>
-              </a:fontRef>
-            </p:style>
-          </p:cxnSp>
-          <p:cxnSp>
-            <p:nvCxnSpPr>
-              <p:cNvPr id="23" name="Straight Arrow Connector 22">
-                <a:extLst>
-                  <a:ext uri="{FF2B5EF4-FFF2-40B4-BE49-F238E27FC236}">
-                    <a16:creationId xmlns:a16="http://schemas.microsoft.com/office/drawing/2014/main" id="{BF5FB7CE-410A-87B9-7234-CABAD2D78679}"/>
-                  </a:ext>
-                </a:extLst>
-              </p:cNvPr>
-              <p:cNvCxnSpPr>
-                <a:cxnSpLocks/>
-              </p:cNvCxnSpPr>
-              <p:nvPr/>
-            </p:nvCxnSpPr>
-            <p:spPr>
-              <a:xfrm flipH="1">
-                <a:off x="4954465" y="5162550"/>
-                <a:ext cx="2691179" cy="0"/>
-              </a:xfrm>
-              <a:prstGeom prst="straightConnector1">
-                <a:avLst/>
-              </a:prstGeom>
-              <a:ln w="28575">
-                <a:tailEnd type="triangle"/>
-              </a:ln>
-            </p:spPr>
-            <p:style>
-              <a:lnRef idx="1">
-                <a:schemeClr val="accent1"/>
-              </a:lnRef>
-              <a:fillRef idx="0">
-                <a:schemeClr val="accent1"/>
-              </a:fillRef>
-              <a:effectRef idx="0">
-                <a:schemeClr val="accent1"/>
-              </a:effectRef>
-              <a:fontRef idx="minor">
-                <a:schemeClr val="tx1"/>
-              </a:fontRef>
-            </p:style>
-          </p:cxnSp>
-          <p:cxnSp>
-            <p:nvCxnSpPr>
-              <p:cNvPr id="24" name="Straight Arrow Connector 23">
-                <a:extLst>
-                  <a:ext uri="{FF2B5EF4-FFF2-40B4-BE49-F238E27FC236}">
-                    <a16:creationId xmlns:a16="http://schemas.microsoft.com/office/drawing/2014/main" id="{C5FA74CD-FBE4-92C9-1670-14B97FCC8C90}"/>
-                  </a:ext>
-                </a:extLst>
-              </p:cNvPr>
-              <p:cNvCxnSpPr>
-                <a:cxnSpLocks/>
-              </p:cNvCxnSpPr>
-              <p:nvPr/>
-            </p:nvCxnSpPr>
-            <p:spPr>
-              <a:xfrm flipH="1">
-                <a:off x="4954465" y="5314950"/>
-                <a:ext cx="2691179" cy="0"/>
-              </a:xfrm>
-              <a:prstGeom prst="straightConnector1">
-                <a:avLst/>
-              </a:prstGeom>
-              <a:ln w="28575">
-                <a:tailEnd type="triangle"/>
-              </a:ln>
-            </p:spPr>
-            <p:style>
-              <a:lnRef idx="1">
-                <a:schemeClr val="accent1"/>
-              </a:lnRef>
-              <a:fillRef idx="0">
-                <a:schemeClr val="accent1"/>
-              </a:fillRef>
-              <a:effectRef idx="0">
-                <a:schemeClr val="accent1"/>
-              </a:effectRef>
-              <a:fontRef idx="minor">
-                <a:schemeClr val="tx1"/>
-              </a:fontRef>
-            </p:style>
-          </p:cxnSp>
-          <p:cxnSp>
-            <p:nvCxnSpPr>
-              <p:cNvPr id="25" name="Straight Arrow Connector 24">
-                <a:extLst>
-                  <a:ext uri="{FF2B5EF4-FFF2-40B4-BE49-F238E27FC236}">
-                    <a16:creationId xmlns:a16="http://schemas.microsoft.com/office/drawing/2014/main" id="{9127C434-AF55-A9F5-E3C4-13F989AC7E41}"/>
-                  </a:ext>
-                </a:extLst>
-              </p:cNvPr>
-              <p:cNvCxnSpPr>
-                <a:cxnSpLocks/>
-              </p:cNvCxnSpPr>
-              <p:nvPr/>
-            </p:nvCxnSpPr>
-            <p:spPr>
-              <a:xfrm flipH="1">
-                <a:off x="4954465" y="5467350"/>
-                <a:ext cx="2691179" cy="0"/>
-              </a:xfrm>
-              <a:prstGeom prst="straightConnector1">
-                <a:avLst/>
-              </a:prstGeom>
-              <a:ln w="28575">
-                <a:tailEnd type="triangle"/>
-              </a:ln>
-            </p:spPr>
-            <p:style>
-              <a:lnRef idx="1">
-                <a:schemeClr val="accent1"/>
-              </a:lnRef>
-              <a:fillRef idx="0">
-                <a:schemeClr val="accent1"/>
-              </a:fillRef>
-              <a:effectRef idx="0">
-                <a:schemeClr val="accent1"/>
-              </a:effectRef>
-              <a:fontRef idx="minor">
-                <a:schemeClr val="tx1"/>
-              </a:fontRef>
-            </p:style>
-          </p:cxnSp>
-          <p:cxnSp>
-            <p:nvCxnSpPr>
-              <p:cNvPr id="26" name="Straight Arrow Connector 25">
-                <a:extLst>
-                  <a:ext uri="{FF2B5EF4-FFF2-40B4-BE49-F238E27FC236}">
-                    <a16:creationId xmlns:a16="http://schemas.microsoft.com/office/drawing/2014/main" id="{10EB3969-836A-50E0-E6E5-92CA22253755}"/>
-                  </a:ext>
-                </a:extLst>
-              </p:cNvPr>
-              <p:cNvCxnSpPr>
-                <a:cxnSpLocks/>
-              </p:cNvCxnSpPr>
-              <p:nvPr/>
-            </p:nvCxnSpPr>
-            <p:spPr>
-              <a:xfrm flipH="1">
-                <a:off x="4954465" y="5619750"/>
-                <a:ext cx="2691179" cy="0"/>
-              </a:xfrm>
-              <a:prstGeom prst="straightConnector1">
-                <a:avLst/>
-              </a:prstGeom>
-              <a:ln w="28575">
-                <a:tailEnd type="triangle"/>
-              </a:ln>
-            </p:spPr>
-            <p:style>
-              <a:lnRef idx="1">
-                <a:schemeClr val="accent1"/>
-              </a:lnRef>
-              <a:fillRef idx="0">
-                <a:schemeClr val="accent1"/>
-              </a:fillRef>
-              <a:effectRef idx="0">
-                <a:schemeClr val="accent1"/>
-              </a:effectRef>
-              <a:fontRef idx="minor">
-                <a:schemeClr val="tx1"/>
-              </a:fontRef>
-            </p:style>
-          </p:cxnSp>
-        </p:grpSp>
-        <p:sp>
-          <p:nvSpPr>
-            <p:cNvPr id="38" name="TextBox 37">
-              <a:extLst>
-                <a:ext uri="{FF2B5EF4-FFF2-40B4-BE49-F238E27FC236}">
-                  <a16:creationId xmlns:a16="http://schemas.microsoft.com/office/drawing/2014/main" id="{B0B54C37-A009-6256-F421-A12F13CDB9E3}"/>
-                </a:ext>
-              </a:extLst>
-            </p:cNvPr>
-            <p:cNvSpPr txBox="1"/>
-            <p:nvPr/>
-          </p:nvSpPr>
-          <p:spPr>
-            <a:xfrm>
-              <a:off x="5533744" y="3590529"/>
-              <a:ext cx="1138645" cy="369332"/>
-            </a:xfrm>
-            <a:prstGeom prst="rect">
-              <a:avLst/>
-            </a:prstGeom>
-            <a:solidFill>
-              <a:schemeClr val="bg1"/>
-            </a:solidFill>
-          </p:spPr>
-          <p:txBody>
-            <a:bodyPr wrap="none" rtlCol="0">
-              <a:spAutoFit/>
-            </a:bodyPr>
-            <a:lstStyle/>
-            <a:p>
-              <a:r>
-                <a:rPr lang="en-US" dirty="0"/>
-                <a:t>Addresses</a:t>
-              </a:r>
-            </a:p>
-          </p:txBody>
-        </p:sp>
-      </p:grpSp>
-      <p:grpSp>
-        <p:nvGrpSpPr>
-          <p:cNvPr id="43" name="Group 42">
-            <a:extLst>
-              <a:ext uri="{FF2B5EF4-FFF2-40B4-BE49-F238E27FC236}">
-                <a16:creationId xmlns:a16="http://schemas.microsoft.com/office/drawing/2014/main" id="{9DCE8FB7-B4C4-8FDD-ACF4-8D113D087AF2}"/>
-              </a:ext>
-            </a:extLst>
-          </p:cNvPr>
-          <p:cNvGrpSpPr/>
+        </p:nvSpPr>
+        <p:spPr>
+          <a:xfrm>
+            <a:off x="5122791" y="4027320"/>
+            <a:ext cx="434845" cy="369333"/>
+          </a:xfrm>
+          <a:prstGeom prst="rect">
+            <a:avLst/>
+          </a:prstGeom>
+          <a:noFill/>
+        </p:spPr>
+        <p:style>
+          <a:lnRef idx="2">
+            <a:schemeClr val="accent1">
+              <a:shade val="50000"/>
+            </a:schemeClr>
+          </a:lnRef>
+          <a:fillRef idx="1">
+            <a:schemeClr val="accent1"/>
+          </a:fillRef>
+          <a:effectRef idx="0">
+            <a:schemeClr val="accent1"/>
+          </a:effectRef>
+          <a:fontRef idx="minor">
+            <a:schemeClr val="lt1"/>
+          </a:fontRef>
+        </p:style>
+        <p:txBody>
+          <a:bodyPr rtlCol="0" anchor="ctr"/>
+          <a:lstStyle/>
+          <a:p>
+            <a:pPr algn="ctr"/>
+            <a:r>
+              <a:rPr lang="en-US" dirty="0">
+                <a:solidFill>
+                  <a:schemeClr val="tx1"/>
+                </a:solidFill>
+              </a:rPr>
+              <a:t>0</a:t>
+            </a:r>
+          </a:p>
+        </p:txBody>
+      </p:sp>
+      <p:sp>
+        <p:nvSpPr>
+          <p:cNvPr id="15" name="Rectangle 14">
+            <a:extLst>
+              <a:ext uri="{FF2B5EF4-FFF2-40B4-BE49-F238E27FC236}">
+                <a16:creationId xmlns:a16="http://schemas.microsoft.com/office/drawing/2014/main" id="{22DEF1B8-F4E7-D84F-AA5E-F8211801E7BE}"/>
+              </a:ext>
+            </a:extLst>
+          </p:cNvPr>
+          <p:cNvSpPr/>
           <p:nvPr/>
-        </p:nvGrpSpPr>
-        <p:grpSpPr>
-          <a:xfrm>
-            <a:off x="4300277" y="4878634"/>
-            <a:ext cx="2691179" cy="619125"/>
-            <a:chOff x="4757477" y="4764334"/>
-            <a:chExt cx="2691179" cy="619125"/>
-          </a:xfrm>
-        </p:grpSpPr>
-        <p:grpSp>
-          <p:nvGrpSpPr>
-            <p:cNvPr id="27" name="Group 26">
-              <a:extLst>
-                <a:ext uri="{FF2B5EF4-FFF2-40B4-BE49-F238E27FC236}">
-                  <a16:creationId xmlns:a16="http://schemas.microsoft.com/office/drawing/2014/main" id="{1E71D9B3-DA51-1178-48EA-E4B5867A1A8C}"/>
-                </a:ext>
-              </a:extLst>
-            </p:cNvPr>
-            <p:cNvGrpSpPr/>
-            <p:nvPr/>
-          </p:nvGrpSpPr>
-          <p:grpSpPr>
-            <a:xfrm>
-              <a:off x="4757477" y="4764334"/>
-              <a:ext cx="2691179" cy="619125"/>
-              <a:chOff x="4954465" y="4400550"/>
-              <a:chExt cx="2691179" cy="1219200"/>
-            </a:xfrm>
-          </p:grpSpPr>
-          <p:cxnSp>
-            <p:nvCxnSpPr>
-              <p:cNvPr id="28" name="Straight Arrow Connector 27">
-                <a:extLst>
-                  <a:ext uri="{FF2B5EF4-FFF2-40B4-BE49-F238E27FC236}">
-                    <a16:creationId xmlns:a16="http://schemas.microsoft.com/office/drawing/2014/main" id="{8E45A857-B225-C2FE-753C-B44B423CF1B7}"/>
-                  </a:ext>
-                </a:extLst>
-              </p:cNvPr>
-              <p:cNvCxnSpPr>
-                <a:cxnSpLocks/>
-              </p:cNvCxnSpPr>
-              <p:nvPr/>
-            </p:nvCxnSpPr>
-            <p:spPr>
-              <a:xfrm flipH="1">
-                <a:off x="4954465" y="4400550"/>
-                <a:ext cx="2691179" cy="0"/>
-              </a:xfrm>
-              <a:prstGeom prst="straightConnector1">
-                <a:avLst/>
-              </a:prstGeom>
-              <a:ln w="28575">
-                <a:headEnd type="triangle" w="med" len="med"/>
-                <a:tailEnd type="triangle" w="med" len="med"/>
-              </a:ln>
-            </p:spPr>
-            <p:style>
-              <a:lnRef idx="1">
-                <a:schemeClr val="accent1"/>
-              </a:lnRef>
-              <a:fillRef idx="0">
-                <a:schemeClr val="accent1"/>
-              </a:fillRef>
-              <a:effectRef idx="0">
-                <a:schemeClr val="accent1"/>
-              </a:effectRef>
-              <a:fontRef idx="minor">
-                <a:schemeClr val="tx1"/>
-              </a:fontRef>
-            </p:style>
-          </p:cxnSp>
-          <p:cxnSp>
-            <p:nvCxnSpPr>
-              <p:cNvPr id="29" name="Straight Arrow Connector 28">
-                <a:extLst>
-                  <a:ext uri="{FF2B5EF4-FFF2-40B4-BE49-F238E27FC236}">
-                    <a16:creationId xmlns:a16="http://schemas.microsoft.com/office/drawing/2014/main" id="{5C87C1D4-5F7B-5694-C08B-68B4F2D1D159}"/>
-                  </a:ext>
-                </a:extLst>
-              </p:cNvPr>
-              <p:cNvCxnSpPr>
-                <a:cxnSpLocks/>
-              </p:cNvCxnSpPr>
-              <p:nvPr/>
-            </p:nvCxnSpPr>
-            <p:spPr>
-              <a:xfrm flipH="1">
-                <a:off x="4954465" y="4552950"/>
-                <a:ext cx="2691179" cy="0"/>
-              </a:xfrm>
-              <a:prstGeom prst="straightConnector1">
-                <a:avLst/>
-              </a:prstGeom>
-              <a:ln w="28575">
-                <a:headEnd type="triangle" w="med" len="med"/>
-                <a:tailEnd type="triangle" w="med" len="med"/>
-              </a:ln>
-            </p:spPr>
-            <p:style>
-              <a:lnRef idx="1">
-                <a:schemeClr val="accent1"/>
-              </a:lnRef>
-              <a:fillRef idx="0">
-                <a:schemeClr val="accent1"/>
-              </a:fillRef>
-              <a:effectRef idx="0">
-                <a:schemeClr val="accent1"/>
-              </a:effectRef>
-              <a:fontRef idx="minor">
-                <a:schemeClr val="tx1"/>
-              </a:fontRef>
-            </p:style>
-          </p:cxnSp>
-          <p:cxnSp>
-            <p:nvCxnSpPr>
-              <p:cNvPr id="30" name="Straight Arrow Connector 29">
-                <a:extLst>
-                  <a:ext uri="{FF2B5EF4-FFF2-40B4-BE49-F238E27FC236}">
-                    <a16:creationId xmlns:a16="http://schemas.microsoft.com/office/drawing/2014/main" id="{CF2CD6EF-EF45-9EA8-48D2-C7B578261B11}"/>
-                  </a:ext>
-                </a:extLst>
-              </p:cNvPr>
-              <p:cNvCxnSpPr>
-                <a:cxnSpLocks/>
-              </p:cNvCxnSpPr>
-              <p:nvPr/>
-            </p:nvCxnSpPr>
-            <p:spPr>
-              <a:xfrm flipH="1">
-                <a:off x="4954465" y="4705350"/>
-                <a:ext cx="2691179" cy="0"/>
-              </a:xfrm>
-              <a:prstGeom prst="straightConnector1">
-                <a:avLst/>
-              </a:prstGeom>
-              <a:ln w="28575">
-                <a:headEnd type="triangle" w="med" len="med"/>
-                <a:tailEnd type="triangle" w="med" len="med"/>
-              </a:ln>
-            </p:spPr>
-            <p:style>
-              <a:lnRef idx="1">
-                <a:schemeClr val="accent1"/>
-              </a:lnRef>
-              <a:fillRef idx="0">
-                <a:schemeClr val="accent1"/>
-              </a:fillRef>
-              <a:effectRef idx="0">
-                <a:schemeClr val="accent1"/>
-              </a:effectRef>
-              <a:fontRef idx="minor">
-                <a:schemeClr val="tx1"/>
-              </a:fontRef>
-            </p:style>
-          </p:cxnSp>
-          <p:cxnSp>
-            <p:nvCxnSpPr>
-              <p:cNvPr id="31" name="Straight Arrow Connector 30">
-                <a:extLst>
-                  <a:ext uri="{FF2B5EF4-FFF2-40B4-BE49-F238E27FC236}">
-                    <a16:creationId xmlns:a16="http://schemas.microsoft.com/office/drawing/2014/main" id="{8C8AD621-BBCA-D036-08F0-DA3AE21B5C95}"/>
-                  </a:ext>
-                </a:extLst>
-              </p:cNvPr>
-              <p:cNvCxnSpPr>
-                <a:cxnSpLocks/>
-              </p:cNvCxnSpPr>
-              <p:nvPr/>
-            </p:nvCxnSpPr>
-            <p:spPr>
-              <a:xfrm flipH="1">
-                <a:off x="4954465" y="4857750"/>
-                <a:ext cx="2691179" cy="0"/>
-              </a:xfrm>
-              <a:prstGeom prst="straightConnector1">
-                <a:avLst/>
-              </a:prstGeom>
-              <a:ln w="28575">
-                <a:headEnd type="triangle" w="med" len="med"/>
-                <a:tailEnd type="triangle" w="med" len="med"/>
-              </a:ln>
-            </p:spPr>
-            <p:style>
-              <a:lnRef idx="1">
-                <a:schemeClr val="accent1"/>
-              </a:lnRef>
-              <a:fillRef idx="0">
-                <a:schemeClr val="accent1"/>
-              </a:fillRef>
-              <a:effectRef idx="0">
-                <a:schemeClr val="accent1"/>
-              </a:effectRef>
-              <a:fontRef idx="minor">
-                <a:schemeClr val="tx1"/>
-              </a:fontRef>
-            </p:style>
-          </p:cxnSp>
-          <p:cxnSp>
-            <p:nvCxnSpPr>
-              <p:cNvPr id="32" name="Straight Arrow Connector 31">
-                <a:extLst>
-                  <a:ext uri="{FF2B5EF4-FFF2-40B4-BE49-F238E27FC236}">
-                    <a16:creationId xmlns:a16="http://schemas.microsoft.com/office/drawing/2014/main" id="{0C40282E-6F1C-2DAB-CD15-70ABF98430EB}"/>
-                  </a:ext>
-                </a:extLst>
-              </p:cNvPr>
-              <p:cNvCxnSpPr>
-                <a:cxnSpLocks/>
-              </p:cNvCxnSpPr>
-              <p:nvPr/>
-            </p:nvCxnSpPr>
-            <p:spPr>
-              <a:xfrm flipH="1">
-                <a:off x="4954465" y="5010150"/>
-                <a:ext cx="2691179" cy="0"/>
-              </a:xfrm>
-              <a:prstGeom prst="straightConnector1">
-                <a:avLst/>
-              </a:prstGeom>
-              <a:ln w="28575">
-                <a:headEnd type="triangle" w="med" len="med"/>
-                <a:tailEnd type="triangle" w="med" len="med"/>
-              </a:ln>
-            </p:spPr>
-            <p:style>
-              <a:lnRef idx="1">
-                <a:schemeClr val="accent1"/>
-              </a:lnRef>
-              <a:fillRef idx="0">
-                <a:schemeClr val="accent1"/>
-              </a:fillRef>
-              <a:effectRef idx="0">
-                <a:schemeClr val="accent1"/>
-              </a:effectRef>
-              <a:fontRef idx="minor">
-                <a:schemeClr val="tx1"/>
-              </a:fontRef>
-            </p:style>
-          </p:cxnSp>
-          <p:cxnSp>
-            <p:nvCxnSpPr>
-              <p:cNvPr id="33" name="Straight Arrow Connector 32">
-                <a:extLst>
-                  <a:ext uri="{FF2B5EF4-FFF2-40B4-BE49-F238E27FC236}">
-                    <a16:creationId xmlns:a16="http://schemas.microsoft.com/office/drawing/2014/main" id="{D926E8D5-66C2-EBF7-8F9E-17C86E7DF40F}"/>
-                  </a:ext>
-                </a:extLst>
-              </p:cNvPr>
-              <p:cNvCxnSpPr>
-                <a:cxnSpLocks/>
-              </p:cNvCxnSpPr>
-              <p:nvPr/>
-            </p:nvCxnSpPr>
-            <p:spPr>
-              <a:xfrm flipH="1">
-                <a:off x="4954465" y="5162550"/>
-                <a:ext cx="2691179" cy="0"/>
-              </a:xfrm>
-              <a:prstGeom prst="straightConnector1">
-                <a:avLst/>
-              </a:prstGeom>
-              <a:ln w="28575">
-                <a:headEnd type="triangle" w="med" len="med"/>
-                <a:tailEnd type="triangle" w="med" len="med"/>
-              </a:ln>
-            </p:spPr>
-            <p:style>
-              <a:lnRef idx="1">
-                <a:schemeClr val="accent1"/>
-              </a:lnRef>
-              <a:fillRef idx="0">
-                <a:schemeClr val="accent1"/>
-              </a:fillRef>
-              <a:effectRef idx="0">
-                <a:schemeClr val="accent1"/>
-              </a:effectRef>
-              <a:fontRef idx="minor">
-                <a:schemeClr val="tx1"/>
-              </a:fontRef>
-            </p:style>
-          </p:cxnSp>
-          <p:cxnSp>
-            <p:nvCxnSpPr>
-              <p:cNvPr id="34" name="Straight Arrow Connector 33">
-                <a:extLst>
-                  <a:ext uri="{FF2B5EF4-FFF2-40B4-BE49-F238E27FC236}">
-                    <a16:creationId xmlns:a16="http://schemas.microsoft.com/office/drawing/2014/main" id="{8541075D-3080-F9E6-28C4-3242FB36F9FB}"/>
-                  </a:ext>
-                </a:extLst>
-              </p:cNvPr>
-              <p:cNvCxnSpPr>
-                <a:cxnSpLocks/>
-              </p:cNvCxnSpPr>
-              <p:nvPr/>
-            </p:nvCxnSpPr>
-            <p:spPr>
-              <a:xfrm flipH="1">
-                <a:off x="4954465" y="5314950"/>
-                <a:ext cx="2691179" cy="0"/>
-              </a:xfrm>
-              <a:prstGeom prst="straightConnector1">
-                <a:avLst/>
-              </a:prstGeom>
-              <a:ln w="28575">
-                <a:headEnd type="triangle" w="med" len="med"/>
-                <a:tailEnd type="triangle" w="med" len="med"/>
-              </a:ln>
-            </p:spPr>
-            <p:style>
-              <a:lnRef idx="1">
-                <a:schemeClr val="accent1"/>
-              </a:lnRef>
-              <a:fillRef idx="0">
-                <a:schemeClr val="accent1"/>
-              </a:fillRef>
-              <a:effectRef idx="0">
-                <a:schemeClr val="accent1"/>
-              </a:effectRef>
-              <a:fontRef idx="minor">
-                <a:schemeClr val="tx1"/>
-              </a:fontRef>
-            </p:style>
-          </p:cxnSp>
-          <p:cxnSp>
-            <p:nvCxnSpPr>
-              <p:cNvPr id="35" name="Straight Arrow Connector 34">
-                <a:extLst>
-                  <a:ext uri="{FF2B5EF4-FFF2-40B4-BE49-F238E27FC236}">
-                    <a16:creationId xmlns:a16="http://schemas.microsoft.com/office/drawing/2014/main" id="{99A337F5-9E13-54FE-2D91-26768C7FFC5C}"/>
-                  </a:ext>
-                </a:extLst>
-              </p:cNvPr>
-              <p:cNvCxnSpPr>
-                <a:cxnSpLocks/>
-              </p:cNvCxnSpPr>
-              <p:nvPr/>
-            </p:nvCxnSpPr>
-            <p:spPr>
-              <a:xfrm flipH="1">
-                <a:off x="4954465" y="5467350"/>
-                <a:ext cx="2691179" cy="0"/>
-              </a:xfrm>
-              <a:prstGeom prst="straightConnector1">
-                <a:avLst/>
-              </a:prstGeom>
-              <a:ln w="28575">
-                <a:headEnd type="triangle" w="med" len="med"/>
-                <a:tailEnd type="triangle" w="med" len="med"/>
-              </a:ln>
-            </p:spPr>
-            <p:style>
-              <a:lnRef idx="1">
-                <a:schemeClr val="accent1"/>
-              </a:lnRef>
-              <a:fillRef idx="0">
-                <a:schemeClr val="accent1"/>
-              </a:fillRef>
-              <a:effectRef idx="0">
-                <a:schemeClr val="accent1"/>
-              </a:effectRef>
-              <a:fontRef idx="minor">
-                <a:schemeClr val="tx1"/>
-              </a:fontRef>
-            </p:style>
-          </p:cxnSp>
-          <p:cxnSp>
-            <p:nvCxnSpPr>
-              <p:cNvPr id="36" name="Straight Arrow Connector 35">
-                <a:extLst>
-                  <a:ext uri="{FF2B5EF4-FFF2-40B4-BE49-F238E27FC236}">
-                    <a16:creationId xmlns:a16="http://schemas.microsoft.com/office/drawing/2014/main" id="{DEFEB9BE-21EC-BCFA-D71B-378D13BCE4FF}"/>
-                  </a:ext>
-                </a:extLst>
-              </p:cNvPr>
-              <p:cNvCxnSpPr>
-                <a:cxnSpLocks/>
-              </p:cNvCxnSpPr>
-              <p:nvPr/>
-            </p:nvCxnSpPr>
-            <p:spPr>
-              <a:xfrm flipH="1">
-                <a:off x="4954465" y="5619750"/>
-                <a:ext cx="2691179" cy="0"/>
-              </a:xfrm>
-              <a:prstGeom prst="straightConnector1">
-                <a:avLst/>
-              </a:prstGeom>
-              <a:ln w="28575">
-                <a:headEnd type="triangle" w="med" len="med"/>
-                <a:tailEnd type="triangle" w="med" len="med"/>
-              </a:ln>
-            </p:spPr>
-            <p:style>
-              <a:lnRef idx="1">
-                <a:schemeClr val="accent1"/>
-              </a:lnRef>
-              <a:fillRef idx="0">
-                <a:schemeClr val="accent1"/>
-              </a:fillRef>
-              <a:effectRef idx="0">
-                <a:schemeClr val="accent1"/>
-              </a:effectRef>
-              <a:fontRef idx="minor">
-                <a:schemeClr val="tx1"/>
-              </a:fontRef>
-            </p:style>
-          </p:cxnSp>
-        </p:grpSp>
-        <p:sp>
-          <p:nvSpPr>
-            <p:cNvPr id="39" name="TextBox 38">
-              <a:extLst>
-                <a:ext uri="{FF2B5EF4-FFF2-40B4-BE49-F238E27FC236}">
-                  <a16:creationId xmlns:a16="http://schemas.microsoft.com/office/drawing/2014/main" id="{E0D9D0DD-DBB6-D002-6ECE-E6368743FC5A}"/>
-                </a:ext>
-              </a:extLst>
-            </p:cNvPr>
-            <p:cNvSpPr txBox="1"/>
-            <p:nvPr/>
-          </p:nvSpPr>
-          <p:spPr>
-            <a:xfrm>
-              <a:off x="5247992" y="4889230"/>
-              <a:ext cx="1710148" cy="369332"/>
-            </a:xfrm>
-            <a:prstGeom prst="rect">
-              <a:avLst/>
-            </a:prstGeom>
-            <a:solidFill>
-              <a:schemeClr val="bg1"/>
-            </a:solidFill>
-          </p:spPr>
-          <p:txBody>
-            <a:bodyPr wrap="none" rtlCol="0">
-              <a:spAutoFit/>
-            </a:bodyPr>
-            <a:lstStyle/>
-            <a:p>
-              <a:r>
-                <a:rPr lang="en-US" dirty="0"/>
-                <a:t>Load/Store Data</a:t>
-              </a:r>
-            </a:p>
-          </p:txBody>
-        </p:sp>
-      </p:grpSp>
+        </p:nvSpPr>
+        <p:spPr>
+          <a:xfrm>
+            <a:off x="5557689" y="4027320"/>
+            <a:ext cx="434845" cy="369333"/>
+          </a:xfrm>
+          <a:prstGeom prst="rect">
+            <a:avLst/>
+          </a:prstGeom>
+          <a:noFill/>
+        </p:spPr>
+        <p:style>
+          <a:lnRef idx="2">
+            <a:schemeClr val="accent1">
+              <a:shade val="50000"/>
+            </a:schemeClr>
+          </a:lnRef>
+          <a:fillRef idx="1">
+            <a:schemeClr val="accent1"/>
+          </a:fillRef>
+          <a:effectRef idx="0">
+            <a:schemeClr val="accent1"/>
+          </a:effectRef>
+          <a:fontRef idx="minor">
+            <a:schemeClr val="lt1"/>
+          </a:fontRef>
+        </p:style>
+        <p:txBody>
+          <a:bodyPr rtlCol="0" anchor="ctr"/>
+          <a:lstStyle/>
+          <a:p>
+            <a:pPr algn="ctr"/>
+            <a:r>
+              <a:rPr lang="en-US" dirty="0">
+                <a:solidFill>
+                  <a:schemeClr val="tx1"/>
+                </a:solidFill>
+              </a:rPr>
+              <a:t>1</a:t>
+            </a:r>
+          </a:p>
+        </p:txBody>
+      </p:sp>
+      <p:sp>
+        <p:nvSpPr>
+          <p:cNvPr id="16" name="Rectangle 15">
+            <a:extLst>
+              <a:ext uri="{FF2B5EF4-FFF2-40B4-BE49-F238E27FC236}">
+                <a16:creationId xmlns:a16="http://schemas.microsoft.com/office/drawing/2014/main" id="{9C7E4C44-4BF5-EBD4-6702-C31A30D1FF18}"/>
+              </a:ext>
+            </a:extLst>
+          </p:cNvPr>
+          <p:cNvSpPr/>
+          <p:nvPr/>
+        </p:nvSpPr>
+        <p:spPr>
+          <a:xfrm>
+            <a:off x="5992476" y="4027320"/>
+            <a:ext cx="434845" cy="369333"/>
+          </a:xfrm>
+          <a:prstGeom prst="rect">
+            <a:avLst/>
+          </a:prstGeom>
+          <a:noFill/>
+        </p:spPr>
+        <p:style>
+          <a:lnRef idx="2">
+            <a:schemeClr val="accent1">
+              <a:shade val="50000"/>
+            </a:schemeClr>
+          </a:lnRef>
+          <a:fillRef idx="1">
+            <a:schemeClr val="accent1"/>
+          </a:fillRef>
+          <a:effectRef idx="0">
+            <a:schemeClr val="accent1"/>
+          </a:effectRef>
+          <a:fontRef idx="minor">
+            <a:schemeClr val="lt1"/>
+          </a:fontRef>
+        </p:style>
+        <p:txBody>
+          <a:bodyPr rtlCol="0" anchor="ctr"/>
+          <a:lstStyle/>
+          <a:p>
+            <a:pPr algn="ctr"/>
+            <a:r>
+              <a:rPr lang="en-US" dirty="0">
+                <a:solidFill>
+                  <a:schemeClr val="tx1"/>
+                </a:solidFill>
+              </a:rPr>
+              <a:t>1</a:t>
+            </a:r>
+          </a:p>
+        </p:txBody>
+      </p:sp>
+      <p:sp>
+        <p:nvSpPr>
+          <p:cNvPr id="17" name="Rectangle 16">
+            <a:extLst>
+              <a:ext uri="{FF2B5EF4-FFF2-40B4-BE49-F238E27FC236}">
+                <a16:creationId xmlns:a16="http://schemas.microsoft.com/office/drawing/2014/main" id="{E80DFE1A-0704-C20A-4000-0CD15EC0AB9F}"/>
+              </a:ext>
+            </a:extLst>
+          </p:cNvPr>
+          <p:cNvSpPr/>
+          <p:nvPr/>
+        </p:nvSpPr>
+        <p:spPr>
+          <a:xfrm>
+            <a:off x="6427321" y="4027320"/>
+            <a:ext cx="434845" cy="369333"/>
+          </a:xfrm>
+          <a:prstGeom prst="rect">
+            <a:avLst/>
+          </a:prstGeom>
+          <a:noFill/>
+        </p:spPr>
+        <p:style>
+          <a:lnRef idx="2">
+            <a:schemeClr val="accent1">
+              <a:shade val="50000"/>
+            </a:schemeClr>
+          </a:lnRef>
+          <a:fillRef idx="1">
+            <a:schemeClr val="accent1"/>
+          </a:fillRef>
+          <a:effectRef idx="0">
+            <a:schemeClr val="accent1"/>
+          </a:effectRef>
+          <a:fontRef idx="minor">
+            <a:schemeClr val="lt1"/>
+          </a:fontRef>
+        </p:style>
+        <p:txBody>
+          <a:bodyPr rtlCol="0" anchor="ctr"/>
+          <a:lstStyle/>
+          <a:p>
+            <a:pPr algn="ctr"/>
+            <a:r>
+              <a:rPr lang="en-US" dirty="0">
+                <a:solidFill>
+                  <a:schemeClr val="tx1"/>
+                </a:solidFill>
+              </a:rPr>
+              <a:t>1</a:t>
+            </a:r>
+          </a:p>
+        </p:txBody>
+      </p:sp>
+      <p:sp>
+        <p:nvSpPr>
+          <p:cNvPr id="18" name="Rectangle 17">
+            <a:extLst>
+              <a:ext uri="{FF2B5EF4-FFF2-40B4-BE49-F238E27FC236}">
+                <a16:creationId xmlns:a16="http://schemas.microsoft.com/office/drawing/2014/main" id="{C2AD5BF4-0C85-C54B-6636-012EDBCD545E}"/>
+              </a:ext>
+            </a:extLst>
+          </p:cNvPr>
+          <p:cNvSpPr/>
+          <p:nvPr/>
+        </p:nvSpPr>
+        <p:spPr>
+          <a:xfrm>
+            <a:off x="6862108" y="4027320"/>
+            <a:ext cx="434845" cy="369333"/>
+          </a:xfrm>
+          <a:prstGeom prst="rect">
+            <a:avLst/>
+          </a:prstGeom>
+          <a:noFill/>
+        </p:spPr>
+        <p:style>
+          <a:lnRef idx="2">
+            <a:schemeClr val="accent1">
+              <a:shade val="50000"/>
+            </a:schemeClr>
+          </a:lnRef>
+          <a:fillRef idx="1">
+            <a:schemeClr val="accent1"/>
+          </a:fillRef>
+          <a:effectRef idx="0">
+            <a:schemeClr val="accent1"/>
+          </a:effectRef>
+          <a:fontRef idx="minor">
+            <a:schemeClr val="lt1"/>
+          </a:fontRef>
+        </p:style>
+        <p:txBody>
+          <a:bodyPr rtlCol="0" anchor="ctr"/>
+          <a:lstStyle/>
+          <a:p>
+            <a:pPr algn="ctr"/>
+            <a:r>
+              <a:rPr lang="en-US" dirty="0">
+                <a:solidFill>
+                  <a:schemeClr val="tx1"/>
+                </a:solidFill>
+              </a:rPr>
+              <a:t>0</a:t>
+            </a:r>
+          </a:p>
+        </p:txBody>
+      </p:sp>
+      <p:sp>
+        <p:nvSpPr>
+          <p:cNvPr id="20" name="TextBox 19">
+            <a:extLst>
+              <a:ext uri="{FF2B5EF4-FFF2-40B4-BE49-F238E27FC236}">
+                <a16:creationId xmlns:a16="http://schemas.microsoft.com/office/drawing/2014/main" id="{A90A5E1C-AE97-D596-5E04-7AF6CF7E244E}"/>
+              </a:ext>
+            </a:extLst>
+          </p:cNvPr>
+          <p:cNvSpPr txBox="1"/>
+          <p:nvPr/>
+        </p:nvSpPr>
+        <p:spPr>
+          <a:xfrm>
+            <a:off x="4553683" y="4531590"/>
+            <a:ext cx="1573059" cy="1077218"/>
+          </a:xfrm>
+          <a:prstGeom prst="rect">
+            <a:avLst/>
+          </a:prstGeom>
+          <a:noFill/>
+        </p:spPr>
+        <p:txBody>
+          <a:bodyPr wrap="none" rtlCol="0">
+            <a:spAutoFit/>
+          </a:bodyPr>
+          <a:lstStyle/>
+          <a:p>
+            <a:pPr algn="ctr"/>
+            <a:r>
+              <a:rPr lang="en-US" sz="2800" dirty="0"/>
+              <a:t>Hex: 2E</a:t>
+            </a:r>
+          </a:p>
+          <a:p>
+            <a:pPr algn="ctr"/>
+            <a:endParaRPr lang="en-US" dirty="0"/>
+          </a:p>
+          <a:p>
+            <a:pPr algn="ctr"/>
+            <a:r>
+              <a:rPr lang="en-US" dirty="0"/>
+              <a:t>ASCII Period (.)</a:t>
+            </a:r>
+          </a:p>
+        </p:txBody>
+      </p:sp>
+      <p:sp>
+        <p:nvSpPr>
+          <p:cNvPr id="21" name="Rectangle 20">
+            <a:extLst>
+              <a:ext uri="{FF2B5EF4-FFF2-40B4-BE49-F238E27FC236}">
+                <a16:creationId xmlns:a16="http://schemas.microsoft.com/office/drawing/2014/main" id="{D15CB2B7-0F9D-47DA-B02E-9238B62070F7}"/>
+              </a:ext>
+            </a:extLst>
+          </p:cNvPr>
+          <p:cNvSpPr/>
+          <p:nvPr/>
+        </p:nvSpPr>
+        <p:spPr>
+          <a:xfrm>
+            <a:off x="1110273" y="4099209"/>
+            <a:ext cx="2236255" cy="169109"/>
+          </a:xfrm>
+          <a:prstGeom prst="rect">
+            <a:avLst/>
+          </a:prstGeom>
+          <a:noFill/>
+        </p:spPr>
+        <p:style>
+          <a:lnRef idx="2">
+            <a:schemeClr val="accent1">
+              <a:shade val="50000"/>
+            </a:schemeClr>
+          </a:lnRef>
+          <a:fillRef idx="1">
+            <a:schemeClr val="accent1"/>
+          </a:fillRef>
+          <a:effectRef idx="0">
+            <a:schemeClr val="accent1"/>
+          </a:effectRef>
+          <a:fontRef idx="minor">
+            <a:schemeClr val="lt1"/>
+          </a:fontRef>
+        </p:style>
+        <p:txBody>
+          <a:bodyPr rtlCol="0" anchor="ctr"/>
+          <a:lstStyle/>
+          <a:p>
+            <a:pPr algn="ctr"/>
+            <a:endParaRPr lang="en-US"/>
+          </a:p>
+        </p:txBody>
+      </p:sp>
+      <p:pic>
+        <p:nvPicPr>
+          <p:cNvPr id="31" name="Picture 30" descr="A picture with two punched paper tapes, one yellow and one pink">
+            <a:extLst>
+              <a:ext uri="{FF2B5EF4-FFF2-40B4-BE49-F238E27FC236}">
+                <a16:creationId xmlns:a16="http://schemas.microsoft.com/office/drawing/2014/main" id="{018F93DB-D98D-E065-7A95-355F9A7C6081}"/>
+              </a:ext>
+            </a:extLst>
+          </p:cNvPr>
+          <p:cNvPicPr>
+            <a:picLocks noChangeAspect="1"/>
+          </p:cNvPicPr>
+          <p:nvPr/>
+        </p:nvPicPr>
+        <p:blipFill>
+          <a:blip r:embed="rId3"/>
+          <a:stretch>
+            <a:fillRect/>
+          </a:stretch>
+        </p:blipFill>
+        <p:spPr>
+          <a:xfrm>
+            <a:off x="8390021" y="3411676"/>
+            <a:ext cx="3302486" cy="2206766"/>
+          </a:xfrm>
+          <a:prstGeom prst="rect">
+            <a:avLst/>
+          </a:prstGeom>
+        </p:spPr>
+      </p:pic>
     </p:spTree>
     <p:extLst>
       <p:ext uri="{BB962C8B-B14F-4D97-AF65-F5344CB8AC3E}">
-        <p14:creationId xmlns:p14="http://schemas.microsoft.com/office/powerpoint/2010/main" val="2635066085"/>
+        <p14:creationId xmlns:p14="http://schemas.microsoft.com/office/powerpoint/2010/main" val="3012600075"/>
       </p:ext>
     </p:extLst>
   </p:cSld>
@@ -6390,7 +5478,7 @@
           <p:cNvPr id="2" name="Title 1">
             <a:extLst>
               <a:ext uri="{FF2B5EF4-FFF2-40B4-BE49-F238E27FC236}">
-                <a16:creationId xmlns:a16="http://schemas.microsoft.com/office/drawing/2014/main" id="{0B2DFEF0-C8E5-2F2C-98C0-3CE484732744}"/>
+                <a16:creationId xmlns:a16="http://schemas.microsoft.com/office/drawing/2014/main" id="{845C3D9C-ADE4-7B41-86DC-0F03AA0432BC}"/>
               </a:ext>
             </a:extLst>
           </p:cNvPr>
@@ -6408,7 +5496,7 @@
           <a:p>
             <a:r>
               <a:rPr lang="en-US" dirty="0"/>
-              <a:t>Writing Programs with Bits</a:t>
+              <a:t>Punched Cards</a:t>
             </a:r>
           </a:p>
         </p:txBody>
@@ -6418,7 +5506,7 @@
           <p:cNvPr id="3" name="Content Placeholder 2">
             <a:extLst>
               <a:ext uri="{FF2B5EF4-FFF2-40B4-BE49-F238E27FC236}">
-                <a16:creationId xmlns:a16="http://schemas.microsoft.com/office/drawing/2014/main" id="{F0D013F3-EB74-1B54-1EFD-2420944633EF}"/>
+                <a16:creationId xmlns:a16="http://schemas.microsoft.com/office/drawing/2014/main" id="{097200AB-296F-9DCB-3F95-02044C97D040}"/>
               </a:ext>
             </a:extLst>
           </p:cNvPr>
@@ -6429,689 +5517,19 @@
             <p:ph idx="1"/>
           </p:nvPr>
         </p:nvSpPr>
-        <p:spPr>
-          <a:xfrm>
-            <a:off x="838200" y="1825625"/>
-            <a:ext cx="4682490" cy="4351338"/>
-          </a:xfrm>
-        </p:spPr>
+        <p:spPr/>
         <p:txBody>
           <a:bodyPr/>
           <a:lstStyle/>
           <a:p>
-            <a:r>
-              <a:rPr lang="en-US" dirty="0"/>
-              <a:t>In the old days, we encoded programs on paper tape</a:t>
-            </a:r>
-          </a:p>
-        </p:txBody>
-      </p:sp>
-      <p:pic>
-        <p:nvPicPr>
-          <p:cNvPr id="5" name="Picture 4" descr="A picture of a paper tape reader">
-            <a:extLst>
-              <a:ext uri="{FF2B5EF4-FFF2-40B4-BE49-F238E27FC236}">
-                <a16:creationId xmlns:a16="http://schemas.microsoft.com/office/drawing/2014/main" id="{A45F08D1-F4FD-6857-726A-96D1B8FE1497}"/>
-              </a:ext>
-            </a:extLst>
-          </p:cNvPr>
-          <p:cNvPicPr>
-            <a:picLocks noChangeAspect="1"/>
-          </p:cNvPicPr>
-          <p:nvPr/>
-        </p:nvPicPr>
-        <p:blipFill rotWithShape="1">
-          <a:blip r:embed="rId2"/>
-          <a:srcRect t="25482" r="35771"/>
-          <a:stretch/>
-        </p:blipFill>
-        <p:spPr>
-          <a:xfrm>
-            <a:off x="8807116" y="681037"/>
-            <a:ext cx="2885391" cy="2231746"/>
-          </a:xfrm>
-          <a:prstGeom prst="rect">
-            <a:avLst/>
-          </a:prstGeom>
-        </p:spPr>
-      </p:pic>
-      <p:sp>
-        <p:nvSpPr>
-          <p:cNvPr id="9" name="TextBox 8">
-            <a:extLst>
-              <a:ext uri="{FF2B5EF4-FFF2-40B4-BE49-F238E27FC236}">
-                <a16:creationId xmlns:a16="http://schemas.microsoft.com/office/drawing/2014/main" id="{8DBE1BD9-6337-560C-65E3-D51B7374B97E}"/>
-              </a:ext>
-            </a:extLst>
-          </p:cNvPr>
-          <p:cNvSpPr txBox="1"/>
-          <p:nvPr/>
-        </p:nvSpPr>
-        <p:spPr>
-          <a:xfrm>
-            <a:off x="7795369" y="6124138"/>
-            <a:ext cx="6096000" cy="369332"/>
-          </a:xfrm>
-          <a:prstGeom prst="rect">
-            <a:avLst/>
-          </a:prstGeom>
-          <a:noFill/>
-        </p:spPr>
-        <p:txBody>
-          <a:bodyPr wrap="square">
-            <a:spAutoFit/>
-          </a:bodyPr>
-          <a:lstStyle/>
-          <a:p>
-            <a:r>
-              <a:rPr lang="en-US" dirty="0"/>
-              <a:t>https://</a:t>
-            </a:r>
-            <a:r>
-              <a:rPr lang="en-US" dirty="0" err="1"/>
-              <a:t>en.wikipedia.org</a:t>
-            </a:r>
-            <a:r>
-              <a:rPr lang="en-US" dirty="0"/>
-              <a:t>/wiki/</a:t>
-            </a:r>
-            <a:r>
-              <a:rPr lang="en-US" dirty="0" err="1"/>
-              <a:t>Punched_tape</a:t>
-            </a:r>
-            <a:endParaRPr lang="en-US" dirty="0"/>
-          </a:p>
-        </p:txBody>
-      </p:sp>
-      <p:pic>
-        <p:nvPicPr>
-          <p:cNvPr id="10" name="Picture 9" descr="A punched paper tape&#10;">
-            <a:extLst>
-              <a:ext uri="{FF2B5EF4-FFF2-40B4-BE49-F238E27FC236}">
-                <a16:creationId xmlns:a16="http://schemas.microsoft.com/office/drawing/2014/main" id="{BD49EA0C-A3ED-099F-F2C0-19E61772A847}"/>
-              </a:ext>
-            </a:extLst>
-          </p:cNvPr>
-          <p:cNvPicPr>
-            <a:picLocks noChangeAspect="1"/>
-          </p:cNvPicPr>
-          <p:nvPr/>
-        </p:nvPicPr>
-        <p:blipFill rotWithShape="1">
-          <a:blip r:embed="rId3"/>
-          <a:srcRect l="58067" t="37074" r="16512" b="29037"/>
-          <a:stretch/>
-        </p:blipFill>
-        <p:spPr>
-          <a:xfrm rot="5400000">
-            <a:off x="935515" y="3742340"/>
-            <a:ext cx="2550319" cy="2271707"/>
-          </a:xfrm>
-          <a:prstGeom prst="rect">
-            <a:avLst/>
-          </a:prstGeom>
-        </p:spPr>
-      </p:pic>
-      <p:sp>
-        <p:nvSpPr>
-          <p:cNvPr id="11" name="Rectangle 10">
-            <a:extLst>
-              <a:ext uri="{FF2B5EF4-FFF2-40B4-BE49-F238E27FC236}">
-                <a16:creationId xmlns:a16="http://schemas.microsoft.com/office/drawing/2014/main" id="{D08270B4-E9F2-2A2D-C02E-D4755B6E0840}"/>
-              </a:ext>
-            </a:extLst>
-          </p:cNvPr>
-          <p:cNvSpPr/>
-          <p:nvPr/>
-        </p:nvSpPr>
-        <p:spPr>
-          <a:xfrm>
-            <a:off x="3818372" y="4027320"/>
-            <a:ext cx="434845" cy="369333"/>
-          </a:xfrm>
-          <a:prstGeom prst="rect">
-            <a:avLst/>
-          </a:prstGeom>
-          <a:noFill/>
-        </p:spPr>
-        <p:style>
-          <a:lnRef idx="2">
-            <a:schemeClr val="accent1">
-              <a:shade val="50000"/>
-            </a:schemeClr>
-          </a:lnRef>
-          <a:fillRef idx="1">
-            <a:schemeClr val="accent1"/>
-          </a:fillRef>
-          <a:effectRef idx="0">
-            <a:schemeClr val="accent1"/>
-          </a:effectRef>
-          <a:fontRef idx="minor">
-            <a:schemeClr val="lt1"/>
-          </a:fontRef>
-        </p:style>
-        <p:txBody>
-          <a:bodyPr rtlCol="0" anchor="ctr"/>
-          <a:lstStyle/>
-          <a:p>
-            <a:pPr algn="ctr"/>
-            <a:r>
-              <a:rPr lang="en-US" dirty="0">
-                <a:solidFill>
-                  <a:schemeClr val="tx1"/>
-                </a:solidFill>
-              </a:rPr>
-              <a:t>0</a:t>
-            </a:r>
-          </a:p>
-        </p:txBody>
-      </p:sp>
-      <p:sp>
-        <p:nvSpPr>
-          <p:cNvPr id="12" name="Rectangle 11">
-            <a:extLst>
-              <a:ext uri="{FF2B5EF4-FFF2-40B4-BE49-F238E27FC236}">
-                <a16:creationId xmlns:a16="http://schemas.microsoft.com/office/drawing/2014/main" id="{5B127295-E999-F69B-21D1-97B320ACB76D}"/>
-              </a:ext>
-            </a:extLst>
-          </p:cNvPr>
-          <p:cNvSpPr/>
-          <p:nvPr/>
-        </p:nvSpPr>
-        <p:spPr>
-          <a:xfrm>
-            <a:off x="4253159" y="4027320"/>
-            <a:ext cx="434845" cy="369333"/>
-          </a:xfrm>
-          <a:prstGeom prst="rect">
-            <a:avLst/>
-          </a:prstGeom>
-          <a:noFill/>
-        </p:spPr>
-        <p:style>
-          <a:lnRef idx="2">
-            <a:schemeClr val="accent1">
-              <a:shade val="50000"/>
-            </a:schemeClr>
-          </a:lnRef>
-          <a:fillRef idx="1">
-            <a:schemeClr val="accent1"/>
-          </a:fillRef>
-          <a:effectRef idx="0">
-            <a:schemeClr val="accent1"/>
-          </a:effectRef>
-          <a:fontRef idx="minor">
-            <a:schemeClr val="lt1"/>
-          </a:fontRef>
-        </p:style>
-        <p:txBody>
-          <a:bodyPr rtlCol="0" anchor="ctr"/>
-          <a:lstStyle/>
-          <a:p>
-            <a:pPr algn="ctr"/>
-            <a:r>
-              <a:rPr lang="en-US" dirty="0">
-                <a:solidFill>
-                  <a:schemeClr val="tx1"/>
-                </a:solidFill>
-              </a:rPr>
-              <a:t>0</a:t>
-            </a:r>
-          </a:p>
-        </p:txBody>
-      </p:sp>
-      <p:sp>
-        <p:nvSpPr>
-          <p:cNvPr id="13" name="Rectangle 12">
-            <a:extLst>
-              <a:ext uri="{FF2B5EF4-FFF2-40B4-BE49-F238E27FC236}">
-                <a16:creationId xmlns:a16="http://schemas.microsoft.com/office/drawing/2014/main" id="{F3480F94-2BC8-8161-041E-D9D3DFF020CF}"/>
-              </a:ext>
-            </a:extLst>
-          </p:cNvPr>
-          <p:cNvSpPr/>
-          <p:nvPr/>
-        </p:nvSpPr>
-        <p:spPr>
-          <a:xfrm>
-            <a:off x="4688004" y="4027320"/>
-            <a:ext cx="434845" cy="369333"/>
-          </a:xfrm>
-          <a:prstGeom prst="rect">
-            <a:avLst/>
-          </a:prstGeom>
-          <a:noFill/>
-        </p:spPr>
-        <p:style>
-          <a:lnRef idx="2">
-            <a:schemeClr val="accent1">
-              <a:shade val="50000"/>
-            </a:schemeClr>
-          </a:lnRef>
-          <a:fillRef idx="1">
-            <a:schemeClr val="accent1"/>
-          </a:fillRef>
-          <a:effectRef idx="0">
-            <a:schemeClr val="accent1"/>
-          </a:effectRef>
-          <a:fontRef idx="minor">
-            <a:schemeClr val="lt1"/>
-          </a:fontRef>
-        </p:style>
-        <p:txBody>
-          <a:bodyPr rtlCol="0" anchor="ctr"/>
-          <a:lstStyle/>
-          <a:p>
-            <a:pPr algn="ctr"/>
-            <a:r>
-              <a:rPr lang="en-US" dirty="0">
-                <a:solidFill>
-                  <a:schemeClr val="tx1"/>
-                </a:solidFill>
-              </a:rPr>
-              <a:t>1</a:t>
-            </a:r>
-          </a:p>
-        </p:txBody>
-      </p:sp>
-      <p:sp>
-        <p:nvSpPr>
-          <p:cNvPr id="14" name="Rectangle 13">
-            <a:extLst>
-              <a:ext uri="{FF2B5EF4-FFF2-40B4-BE49-F238E27FC236}">
-                <a16:creationId xmlns:a16="http://schemas.microsoft.com/office/drawing/2014/main" id="{F3C4080D-3C18-85FC-F52E-7B761453DC02}"/>
-              </a:ext>
-            </a:extLst>
-          </p:cNvPr>
-          <p:cNvSpPr/>
-          <p:nvPr/>
-        </p:nvSpPr>
-        <p:spPr>
-          <a:xfrm>
-            <a:off x="5122791" y="4027320"/>
-            <a:ext cx="434845" cy="369333"/>
-          </a:xfrm>
-          <a:prstGeom prst="rect">
-            <a:avLst/>
-          </a:prstGeom>
-          <a:noFill/>
-        </p:spPr>
-        <p:style>
-          <a:lnRef idx="2">
-            <a:schemeClr val="accent1">
-              <a:shade val="50000"/>
-            </a:schemeClr>
-          </a:lnRef>
-          <a:fillRef idx="1">
-            <a:schemeClr val="accent1"/>
-          </a:fillRef>
-          <a:effectRef idx="0">
-            <a:schemeClr val="accent1"/>
-          </a:effectRef>
-          <a:fontRef idx="minor">
-            <a:schemeClr val="lt1"/>
-          </a:fontRef>
-        </p:style>
-        <p:txBody>
-          <a:bodyPr rtlCol="0" anchor="ctr"/>
-          <a:lstStyle/>
-          <a:p>
-            <a:pPr algn="ctr"/>
-            <a:r>
-              <a:rPr lang="en-US" dirty="0">
-                <a:solidFill>
-                  <a:schemeClr val="tx1"/>
-                </a:solidFill>
-              </a:rPr>
-              <a:t>0</a:t>
-            </a:r>
-          </a:p>
-        </p:txBody>
-      </p:sp>
-      <p:sp>
-        <p:nvSpPr>
-          <p:cNvPr id="15" name="Rectangle 14">
-            <a:extLst>
-              <a:ext uri="{FF2B5EF4-FFF2-40B4-BE49-F238E27FC236}">
-                <a16:creationId xmlns:a16="http://schemas.microsoft.com/office/drawing/2014/main" id="{22DEF1B8-F4E7-D84F-AA5E-F8211801E7BE}"/>
-              </a:ext>
-            </a:extLst>
-          </p:cNvPr>
-          <p:cNvSpPr/>
-          <p:nvPr/>
-        </p:nvSpPr>
-        <p:spPr>
-          <a:xfrm>
-            <a:off x="5557689" y="4027320"/>
-            <a:ext cx="434845" cy="369333"/>
-          </a:xfrm>
-          <a:prstGeom prst="rect">
-            <a:avLst/>
-          </a:prstGeom>
-          <a:noFill/>
-        </p:spPr>
-        <p:style>
-          <a:lnRef idx="2">
-            <a:schemeClr val="accent1">
-              <a:shade val="50000"/>
-            </a:schemeClr>
-          </a:lnRef>
-          <a:fillRef idx="1">
-            <a:schemeClr val="accent1"/>
-          </a:fillRef>
-          <a:effectRef idx="0">
-            <a:schemeClr val="accent1"/>
-          </a:effectRef>
-          <a:fontRef idx="minor">
-            <a:schemeClr val="lt1"/>
-          </a:fontRef>
-        </p:style>
-        <p:txBody>
-          <a:bodyPr rtlCol="0" anchor="ctr"/>
-          <a:lstStyle/>
-          <a:p>
-            <a:pPr algn="ctr"/>
-            <a:r>
-              <a:rPr lang="en-US" dirty="0">
-                <a:solidFill>
-                  <a:schemeClr val="tx1"/>
-                </a:solidFill>
-              </a:rPr>
-              <a:t>1</a:t>
-            </a:r>
-          </a:p>
-        </p:txBody>
-      </p:sp>
-      <p:sp>
-        <p:nvSpPr>
-          <p:cNvPr id="16" name="Rectangle 15">
-            <a:extLst>
-              <a:ext uri="{FF2B5EF4-FFF2-40B4-BE49-F238E27FC236}">
-                <a16:creationId xmlns:a16="http://schemas.microsoft.com/office/drawing/2014/main" id="{9C7E4C44-4BF5-EBD4-6702-C31A30D1FF18}"/>
-              </a:ext>
-            </a:extLst>
-          </p:cNvPr>
-          <p:cNvSpPr/>
-          <p:nvPr/>
-        </p:nvSpPr>
-        <p:spPr>
-          <a:xfrm>
-            <a:off x="5992476" y="4027320"/>
-            <a:ext cx="434845" cy="369333"/>
-          </a:xfrm>
-          <a:prstGeom prst="rect">
-            <a:avLst/>
-          </a:prstGeom>
-          <a:noFill/>
-        </p:spPr>
-        <p:style>
-          <a:lnRef idx="2">
-            <a:schemeClr val="accent1">
-              <a:shade val="50000"/>
-            </a:schemeClr>
-          </a:lnRef>
-          <a:fillRef idx="1">
-            <a:schemeClr val="accent1"/>
-          </a:fillRef>
-          <a:effectRef idx="0">
-            <a:schemeClr val="accent1"/>
-          </a:effectRef>
-          <a:fontRef idx="minor">
-            <a:schemeClr val="lt1"/>
-          </a:fontRef>
-        </p:style>
-        <p:txBody>
-          <a:bodyPr rtlCol="0" anchor="ctr"/>
-          <a:lstStyle/>
-          <a:p>
-            <a:pPr algn="ctr"/>
-            <a:r>
-              <a:rPr lang="en-US" dirty="0">
-                <a:solidFill>
-                  <a:schemeClr val="tx1"/>
-                </a:solidFill>
-              </a:rPr>
-              <a:t>1</a:t>
-            </a:r>
-          </a:p>
-        </p:txBody>
-      </p:sp>
-      <p:sp>
-        <p:nvSpPr>
-          <p:cNvPr id="17" name="Rectangle 16">
-            <a:extLst>
-              <a:ext uri="{FF2B5EF4-FFF2-40B4-BE49-F238E27FC236}">
-                <a16:creationId xmlns:a16="http://schemas.microsoft.com/office/drawing/2014/main" id="{E80DFE1A-0704-C20A-4000-0CD15EC0AB9F}"/>
-              </a:ext>
-            </a:extLst>
-          </p:cNvPr>
-          <p:cNvSpPr/>
-          <p:nvPr/>
-        </p:nvSpPr>
-        <p:spPr>
-          <a:xfrm>
-            <a:off x="6427321" y="4027320"/>
-            <a:ext cx="434845" cy="369333"/>
-          </a:xfrm>
-          <a:prstGeom prst="rect">
-            <a:avLst/>
-          </a:prstGeom>
-          <a:noFill/>
-        </p:spPr>
-        <p:style>
-          <a:lnRef idx="2">
-            <a:schemeClr val="accent1">
-              <a:shade val="50000"/>
-            </a:schemeClr>
-          </a:lnRef>
-          <a:fillRef idx="1">
-            <a:schemeClr val="accent1"/>
-          </a:fillRef>
-          <a:effectRef idx="0">
-            <a:schemeClr val="accent1"/>
-          </a:effectRef>
-          <a:fontRef idx="minor">
-            <a:schemeClr val="lt1"/>
-          </a:fontRef>
-        </p:style>
-        <p:txBody>
-          <a:bodyPr rtlCol="0" anchor="ctr"/>
-          <a:lstStyle/>
-          <a:p>
-            <a:pPr algn="ctr"/>
-            <a:r>
-              <a:rPr lang="en-US" dirty="0">
-                <a:solidFill>
-                  <a:schemeClr val="tx1"/>
-                </a:solidFill>
-              </a:rPr>
-              <a:t>1</a:t>
-            </a:r>
-          </a:p>
-        </p:txBody>
-      </p:sp>
-      <p:sp>
-        <p:nvSpPr>
-          <p:cNvPr id="18" name="Rectangle 17">
-            <a:extLst>
-              <a:ext uri="{FF2B5EF4-FFF2-40B4-BE49-F238E27FC236}">
-                <a16:creationId xmlns:a16="http://schemas.microsoft.com/office/drawing/2014/main" id="{C2AD5BF4-0C85-C54B-6636-012EDBCD545E}"/>
-              </a:ext>
-            </a:extLst>
-          </p:cNvPr>
-          <p:cNvSpPr/>
-          <p:nvPr/>
-        </p:nvSpPr>
-        <p:spPr>
-          <a:xfrm>
-            <a:off x="6862108" y="4027320"/>
-            <a:ext cx="434845" cy="369333"/>
-          </a:xfrm>
-          <a:prstGeom prst="rect">
-            <a:avLst/>
-          </a:prstGeom>
-          <a:noFill/>
-        </p:spPr>
-        <p:style>
-          <a:lnRef idx="2">
-            <a:schemeClr val="accent1">
-              <a:shade val="50000"/>
-            </a:schemeClr>
-          </a:lnRef>
-          <a:fillRef idx="1">
-            <a:schemeClr val="accent1"/>
-          </a:fillRef>
-          <a:effectRef idx="0">
-            <a:schemeClr val="accent1"/>
-          </a:effectRef>
-          <a:fontRef idx="minor">
-            <a:schemeClr val="lt1"/>
-          </a:fontRef>
-        </p:style>
-        <p:txBody>
-          <a:bodyPr rtlCol="0" anchor="ctr"/>
-          <a:lstStyle/>
-          <a:p>
-            <a:pPr algn="ctr"/>
-            <a:r>
-              <a:rPr lang="en-US" dirty="0">
-                <a:solidFill>
-                  <a:schemeClr val="tx1"/>
-                </a:solidFill>
-              </a:rPr>
-              <a:t>0</a:t>
-            </a:r>
-          </a:p>
-        </p:txBody>
-      </p:sp>
-      <p:sp>
-        <p:nvSpPr>
-          <p:cNvPr id="20" name="TextBox 19">
-            <a:extLst>
-              <a:ext uri="{FF2B5EF4-FFF2-40B4-BE49-F238E27FC236}">
-                <a16:creationId xmlns:a16="http://schemas.microsoft.com/office/drawing/2014/main" id="{A90A5E1C-AE97-D596-5E04-7AF6CF7E244E}"/>
-              </a:ext>
-            </a:extLst>
-          </p:cNvPr>
-          <p:cNvSpPr txBox="1"/>
-          <p:nvPr/>
-        </p:nvSpPr>
-        <p:spPr>
-          <a:xfrm>
-            <a:off x="4553683" y="4531590"/>
-            <a:ext cx="1573059" cy="1077218"/>
-          </a:xfrm>
-          <a:prstGeom prst="rect">
-            <a:avLst/>
-          </a:prstGeom>
-          <a:noFill/>
-        </p:spPr>
-        <p:txBody>
-          <a:bodyPr wrap="none" rtlCol="0">
-            <a:spAutoFit/>
-          </a:bodyPr>
-          <a:lstStyle/>
-          <a:p>
-            <a:pPr algn="ctr"/>
-            <a:r>
-              <a:rPr lang="en-US" sz="2800" dirty="0"/>
-              <a:t>Hex: 2E</a:t>
-            </a:r>
-          </a:p>
-          <a:p>
-            <a:pPr algn="ctr"/>
-            <a:endParaRPr lang="en-US" dirty="0"/>
-          </a:p>
-          <a:p>
-            <a:pPr algn="ctr"/>
-            <a:r>
-              <a:rPr lang="en-US" dirty="0"/>
-              <a:t>ASCII Period (.)</a:t>
-            </a:r>
-          </a:p>
-        </p:txBody>
-      </p:sp>
-      <p:sp>
-        <p:nvSpPr>
-          <p:cNvPr id="21" name="Rectangle 20">
-            <a:extLst>
-              <a:ext uri="{FF2B5EF4-FFF2-40B4-BE49-F238E27FC236}">
-                <a16:creationId xmlns:a16="http://schemas.microsoft.com/office/drawing/2014/main" id="{D15CB2B7-0F9D-47DA-B02E-9238B62070F7}"/>
-              </a:ext>
-            </a:extLst>
-          </p:cNvPr>
-          <p:cNvSpPr/>
-          <p:nvPr/>
-        </p:nvSpPr>
-        <p:spPr>
-          <a:xfrm>
-            <a:off x="1110273" y="4099209"/>
-            <a:ext cx="2236255" cy="169109"/>
-          </a:xfrm>
-          <a:prstGeom prst="rect">
-            <a:avLst/>
-          </a:prstGeom>
-          <a:noFill/>
-        </p:spPr>
-        <p:style>
-          <a:lnRef idx="2">
-            <a:schemeClr val="accent1">
-              <a:shade val="50000"/>
-            </a:schemeClr>
-          </a:lnRef>
-          <a:fillRef idx="1">
-            <a:schemeClr val="accent1"/>
-          </a:fillRef>
-          <a:effectRef idx="0">
-            <a:schemeClr val="accent1"/>
-          </a:effectRef>
-          <a:fontRef idx="minor">
-            <a:schemeClr val="lt1"/>
-          </a:fontRef>
-        </p:style>
-        <p:txBody>
-          <a:bodyPr rtlCol="0" anchor="ctr"/>
-          <a:lstStyle/>
-          <a:p>
-            <a:pPr algn="ctr"/>
             <a:endParaRPr lang="en-US"/>
           </a:p>
         </p:txBody>
       </p:sp>
-      <p:pic>
-        <p:nvPicPr>
-          <p:cNvPr id="31" name="Picture 30" descr="A picture with two punched paper tapes, one yellow and one pink">
-            <a:extLst>
-              <a:ext uri="{FF2B5EF4-FFF2-40B4-BE49-F238E27FC236}">
-                <a16:creationId xmlns:a16="http://schemas.microsoft.com/office/drawing/2014/main" id="{018F93DB-D98D-E065-7A95-355F9A7C6081}"/>
-              </a:ext>
-            </a:extLst>
-          </p:cNvPr>
-          <p:cNvPicPr>
-            <a:picLocks noChangeAspect="1"/>
-          </p:cNvPicPr>
-          <p:nvPr/>
-        </p:nvPicPr>
-        <p:blipFill>
-          <a:blip r:embed="rId3"/>
-          <a:stretch>
-            <a:fillRect/>
-          </a:stretch>
-        </p:blipFill>
-        <p:spPr>
-          <a:xfrm>
-            <a:off x="8390021" y="3411676"/>
-            <a:ext cx="3302486" cy="2206766"/>
-          </a:xfrm>
-          <a:prstGeom prst="rect">
-            <a:avLst/>
-          </a:prstGeom>
-        </p:spPr>
-      </p:pic>
     </p:spTree>
     <p:extLst>
       <p:ext uri="{BB962C8B-B14F-4D97-AF65-F5344CB8AC3E}">
-        <p14:creationId xmlns:p14="http://schemas.microsoft.com/office/powerpoint/2010/main" val="3012600075"/>
+        <p14:creationId xmlns:p14="http://schemas.microsoft.com/office/powerpoint/2010/main" val="3598356625"/>
       </p:ext>
     </p:extLst>
   </p:cSld>

--- a/lectures/05-Software.pptx
+++ b/lectures/05-Software.pptx
@@ -5,7 +5,7 @@
     <p:sldMasterId id="2147483648" r:id="rId1"/>
   </p:sldMasterIdLst>
   <p:notesMasterIdLst>
-    <p:notesMasterId r:id="rId12"/>
+    <p:notesMasterId r:id="rId21"/>
   </p:notesMasterIdLst>
   <p:sldIdLst>
     <p:sldId id="256" r:id="rId2"/>
@@ -17,7 +17,16 @@
     <p:sldId id="337" r:id="rId8"/>
     <p:sldId id="332" r:id="rId9"/>
     <p:sldId id="327" r:id="rId10"/>
-    <p:sldId id="338" r:id="rId11"/>
+    <p:sldId id="339" r:id="rId11"/>
+    <p:sldId id="338" r:id="rId12"/>
+    <p:sldId id="340" r:id="rId13"/>
+    <p:sldId id="343" r:id="rId14"/>
+    <p:sldId id="344" r:id="rId15"/>
+    <p:sldId id="342" r:id="rId16"/>
+    <p:sldId id="345" r:id="rId17"/>
+    <p:sldId id="341" r:id="rId18"/>
+    <p:sldId id="346" r:id="rId19"/>
+    <p:sldId id="347" r:id="rId20"/>
   </p:sldIdLst>
   <p:sldSz cx="12192000" cy="6858000"/>
   <p:notesSz cx="6858000" cy="9144000"/>
@@ -206,7 +215,7 @@
           <a:p>
             <a:fld id="{1C74C8C0-0C1E-D447-A6DA-5BF9E732D1EF}" type="datetimeFigureOut">
               <a:rPr lang="en-US" smtClean="0"/>
-              <a:t>9/23/25</a:t>
+              <a:t>11/19/25</a:t>
             </a:fld>
             <a:endParaRPr lang="en-US"/>
           </a:p>
@@ -704,7 +713,7 @@
           <a:p>
             <a:fld id="{D5D8E255-8371-B349-B2F5-F8C6C9FF431B}" type="datetimeFigureOut">
               <a:rPr lang="en-US" smtClean="0"/>
-              <a:t>9/23/25</a:t>
+              <a:t>11/19/25</a:t>
             </a:fld>
             <a:endParaRPr lang="en-US"/>
           </a:p>
@@ -902,7 +911,7 @@
           <a:p>
             <a:fld id="{D5D8E255-8371-B349-B2F5-F8C6C9FF431B}" type="datetimeFigureOut">
               <a:rPr lang="en-US" smtClean="0"/>
-              <a:t>9/23/25</a:t>
+              <a:t>11/19/25</a:t>
             </a:fld>
             <a:endParaRPr lang="en-US"/>
           </a:p>
@@ -1110,7 +1119,7 @@
           <a:p>
             <a:fld id="{D5D8E255-8371-B349-B2F5-F8C6C9FF431B}" type="datetimeFigureOut">
               <a:rPr lang="en-US" smtClean="0"/>
-              <a:t>9/23/25</a:t>
+              <a:t>11/19/25</a:t>
             </a:fld>
             <a:endParaRPr lang="en-US"/>
           </a:p>
@@ -1308,7 +1317,7 @@
           <a:p>
             <a:fld id="{D5D8E255-8371-B349-B2F5-F8C6C9FF431B}" type="datetimeFigureOut">
               <a:rPr lang="en-US" smtClean="0"/>
-              <a:t>9/23/25</a:t>
+              <a:t>11/19/25</a:t>
             </a:fld>
             <a:endParaRPr lang="en-US"/>
           </a:p>
@@ -1583,7 +1592,7 @@
           <a:p>
             <a:fld id="{D5D8E255-8371-B349-B2F5-F8C6C9FF431B}" type="datetimeFigureOut">
               <a:rPr lang="en-US" smtClean="0"/>
-              <a:t>9/23/25</a:t>
+              <a:t>11/19/25</a:t>
             </a:fld>
             <a:endParaRPr lang="en-US"/>
           </a:p>
@@ -1848,7 +1857,7 @@
           <a:p>
             <a:fld id="{D5D8E255-8371-B349-B2F5-F8C6C9FF431B}" type="datetimeFigureOut">
               <a:rPr lang="en-US" smtClean="0"/>
-              <a:t>9/23/25</a:t>
+              <a:t>11/19/25</a:t>
             </a:fld>
             <a:endParaRPr lang="en-US"/>
           </a:p>
@@ -2260,7 +2269,7 @@
           <a:p>
             <a:fld id="{D5D8E255-8371-B349-B2F5-F8C6C9FF431B}" type="datetimeFigureOut">
               <a:rPr lang="en-US" smtClean="0"/>
-              <a:t>9/23/25</a:t>
+              <a:t>11/19/25</a:t>
             </a:fld>
             <a:endParaRPr lang="en-US"/>
           </a:p>
@@ -2401,7 +2410,7 @@
           <a:p>
             <a:fld id="{D5D8E255-8371-B349-B2F5-F8C6C9FF431B}" type="datetimeFigureOut">
               <a:rPr lang="en-US" smtClean="0"/>
-              <a:t>9/23/25</a:t>
+              <a:t>11/19/25</a:t>
             </a:fld>
             <a:endParaRPr lang="en-US"/>
           </a:p>
@@ -2514,7 +2523,7 @@
           <a:p>
             <a:fld id="{D5D8E255-8371-B349-B2F5-F8C6C9FF431B}" type="datetimeFigureOut">
               <a:rPr lang="en-US" smtClean="0"/>
-              <a:t>9/23/25</a:t>
+              <a:t>11/19/25</a:t>
             </a:fld>
             <a:endParaRPr lang="en-US"/>
           </a:p>
@@ -2825,7 +2834,7 @@
           <a:p>
             <a:fld id="{D5D8E255-8371-B349-B2F5-F8C6C9FF431B}" type="datetimeFigureOut">
               <a:rPr lang="en-US" smtClean="0"/>
-              <a:t>9/23/25</a:t>
+              <a:t>11/19/25</a:t>
             </a:fld>
             <a:endParaRPr lang="en-US"/>
           </a:p>
@@ -3113,7 +3122,7 @@
           <a:p>
             <a:fld id="{D5D8E255-8371-B349-B2F5-F8C6C9FF431B}" type="datetimeFigureOut">
               <a:rPr lang="en-US" smtClean="0"/>
-              <a:t>9/23/25</a:t>
+              <a:t>11/19/25</a:t>
             </a:fld>
             <a:endParaRPr lang="en-US"/>
           </a:p>
@@ -3354,7 +3363,7 @@
           <a:p>
             <a:fld id="{D5D8E255-8371-B349-B2F5-F8C6C9FF431B}" type="datetimeFigureOut">
               <a:rPr lang="en-US" smtClean="0"/>
-              <a:t>9/23/25</a:t>
+              <a:t>11/19/25</a:t>
             </a:fld>
             <a:endParaRPr lang="en-US"/>
           </a:p>
@@ -3879,6 +3888,110 @@
           <p:cNvPr id="2" name="Title 1">
             <a:extLst>
               <a:ext uri="{FF2B5EF4-FFF2-40B4-BE49-F238E27FC236}">
+                <a16:creationId xmlns:a16="http://schemas.microsoft.com/office/drawing/2014/main" id="{1A01B874-613E-0498-3EF1-5AFA7CD40D9A}"/>
+              </a:ext>
+            </a:extLst>
+          </p:cNvPr>
+          <p:cNvSpPr>
+            <a:spLocks noGrp="1"/>
+          </p:cNvSpPr>
+          <p:nvPr>
+            <p:ph type="title"/>
+          </p:nvPr>
+        </p:nvSpPr>
+        <p:spPr/>
+        <p:txBody>
+          <a:bodyPr/>
+          <a:lstStyle/>
+          <a:p>
+            <a:r>
+              <a:rPr lang="en-US" dirty="0"/>
+              <a:t>Programming Software</a:t>
+            </a:r>
+          </a:p>
+        </p:txBody>
+      </p:sp>
+      <p:sp>
+        <p:nvSpPr>
+          <p:cNvPr id="3" name="Content Placeholder 2">
+            <a:extLst>
+              <a:ext uri="{FF2B5EF4-FFF2-40B4-BE49-F238E27FC236}">
+                <a16:creationId xmlns:a16="http://schemas.microsoft.com/office/drawing/2014/main" id="{D82795BD-CB81-05D6-9707-1532E3094DAA}"/>
+              </a:ext>
+            </a:extLst>
+          </p:cNvPr>
+          <p:cNvSpPr>
+            <a:spLocks noGrp="1"/>
+          </p:cNvSpPr>
+          <p:nvPr>
+            <p:ph idx="1"/>
+          </p:nvPr>
+        </p:nvSpPr>
+        <p:spPr/>
+        <p:txBody>
+          <a:bodyPr/>
+          <a:lstStyle/>
+          <a:p>
+            <a:r>
+              <a:rPr lang="en-US" dirty="0"/>
+              <a:t>Compiler</a:t>
+            </a:r>
+          </a:p>
+          <a:p>
+            <a:r>
+              <a:rPr lang="en-US" dirty="0"/>
+              <a:t>Interpreter</a:t>
+            </a:r>
+          </a:p>
+          <a:p>
+            <a:r>
+              <a:rPr lang="en-US" dirty="0"/>
+              <a:t>Emulator</a:t>
+            </a:r>
+          </a:p>
+          <a:p>
+            <a:r>
+              <a:rPr lang="en-US" dirty="0"/>
+              <a:t>Virtualization</a:t>
+            </a:r>
+          </a:p>
+        </p:txBody>
+      </p:sp>
+    </p:spTree>
+    <p:extLst>
+      <p:ext uri="{BB962C8B-B14F-4D97-AF65-F5344CB8AC3E}">
+        <p14:creationId xmlns:p14="http://schemas.microsoft.com/office/powerpoint/2010/main" val="3130494079"/>
+      </p:ext>
+    </p:extLst>
+  </p:cSld>
+  <p:clrMapOvr>
+    <a:masterClrMapping/>
+  </p:clrMapOvr>
+</p:sld>
+</file>
+
+<file path=ppt/slides/slide11.xml><?xml version="1.0" encoding="utf-8"?>
+<p:sld xmlns:a="http://schemas.openxmlformats.org/drawingml/2006/main" xmlns:r="http://schemas.openxmlformats.org/officeDocument/2006/relationships" xmlns:p="http://schemas.openxmlformats.org/presentationml/2006/main">
+  <p:cSld>
+    <p:spTree>
+      <p:nvGrpSpPr>
+        <p:cNvPr id="1" name=""/>
+        <p:cNvGrpSpPr/>
+        <p:nvPr/>
+      </p:nvGrpSpPr>
+      <p:grpSpPr>
+        <a:xfrm>
+          <a:off x="0" y="0"/>
+          <a:ext cx="0" cy="0"/>
+          <a:chOff x="0" y="0"/>
+          <a:chExt cx="0" cy="0"/>
+        </a:xfrm>
+      </p:grpSpPr>
+      <p:sp>
+        <p:nvSpPr>
+          <p:cNvPr id="2" name="Title 1">
+            <a:extLst>
+              <a:ext uri="{FF2B5EF4-FFF2-40B4-BE49-F238E27FC236}">
                 <a16:creationId xmlns:a16="http://schemas.microsoft.com/office/drawing/2014/main" id="{E7C1CF79-720B-078A-D0BC-383C99C547F6}"/>
               </a:ext>
             </a:extLst>
@@ -3931,6 +4044,812 @@
     <p:extLst>
       <p:ext uri="{BB962C8B-B14F-4D97-AF65-F5344CB8AC3E}">
         <p14:creationId xmlns:p14="http://schemas.microsoft.com/office/powerpoint/2010/main" val="2371237158"/>
+      </p:ext>
+    </p:extLst>
+  </p:cSld>
+  <p:clrMapOvr>
+    <a:masterClrMapping/>
+  </p:clrMapOvr>
+</p:sld>
+</file>
+
+<file path=ppt/slides/slide12.xml><?xml version="1.0" encoding="utf-8"?>
+<p:sld xmlns:a="http://schemas.openxmlformats.org/drawingml/2006/main" xmlns:r="http://schemas.openxmlformats.org/officeDocument/2006/relationships" xmlns:p="http://schemas.openxmlformats.org/presentationml/2006/main">
+  <p:cSld>
+    <p:spTree>
+      <p:nvGrpSpPr>
+        <p:cNvPr id="1" name=""/>
+        <p:cNvGrpSpPr/>
+        <p:nvPr/>
+      </p:nvGrpSpPr>
+      <p:grpSpPr>
+        <a:xfrm>
+          <a:off x="0" y="0"/>
+          <a:ext cx="0" cy="0"/>
+          <a:chOff x="0" y="0"/>
+          <a:chExt cx="0" cy="0"/>
+        </a:xfrm>
+      </p:grpSpPr>
+      <p:sp>
+        <p:nvSpPr>
+          <p:cNvPr id="2" name="Title 1">
+            <a:extLst>
+              <a:ext uri="{FF2B5EF4-FFF2-40B4-BE49-F238E27FC236}">
+                <a16:creationId xmlns:a16="http://schemas.microsoft.com/office/drawing/2014/main" id="{5C70FEA2-0AFF-1BD8-EA7E-B5CB24BC1405}"/>
+              </a:ext>
+            </a:extLst>
+          </p:cNvPr>
+          <p:cNvSpPr>
+            <a:spLocks noGrp="1"/>
+          </p:cNvSpPr>
+          <p:nvPr>
+            <p:ph type="title"/>
+          </p:nvPr>
+        </p:nvSpPr>
+        <p:spPr/>
+        <p:txBody>
+          <a:bodyPr/>
+          <a:lstStyle/>
+          <a:p>
+            <a:r>
+              <a:rPr lang="en-US" dirty="0"/>
+              <a:t>How CC4E works</a:t>
+            </a:r>
+          </a:p>
+        </p:txBody>
+      </p:sp>
+      <p:sp>
+        <p:nvSpPr>
+          <p:cNvPr id="3" name="Content Placeholder 2">
+            <a:extLst>
+              <a:ext uri="{FF2B5EF4-FFF2-40B4-BE49-F238E27FC236}">
+                <a16:creationId xmlns:a16="http://schemas.microsoft.com/office/drawing/2014/main" id="{EF093639-7211-C980-2DF7-BBF13B18D967}"/>
+              </a:ext>
+            </a:extLst>
+          </p:cNvPr>
+          <p:cNvSpPr>
+            <a:spLocks noGrp="1"/>
+          </p:cNvSpPr>
+          <p:nvPr>
+            <p:ph idx="1"/>
+          </p:nvPr>
+        </p:nvSpPr>
+        <p:spPr/>
+        <p:txBody>
+          <a:bodyPr/>
+          <a:lstStyle/>
+          <a:p>
+            <a:r>
+              <a:rPr lang="en-US" dirty="0"/>
+              <a:t>Compiler (in the server) compiles C code to WASM</a:t>
+            </a:r>
+          </a:p>
+          <a:p>
+            <a:r>
+              <a:rPr lang="en-US" dirty="0"/>
+              <a:t>HTML page downloads WASM </a:t>
+            </a:r>
+          </a:p>
+          <a:p>
+            <a:r>
+              <a:rPr lang="en-US" dirty="0"/>
+              <a:t>The built in WASM emulator runs it in the browser</a:t>
+            </a:r>
+          </a:p>
+          <a:p>
+            <a:endParaRPr lang="en-US" dirty="0"/>
+          </a:p>
+        </p:txBody>
+      </p:sp>
+    </p:spTree>
+    <p:extLst>
+      <p:ext uri="{BB962C8B-B14F-4D97-AF65-F5344CB8AC3E}">
+        <p14:creationId xmlns:p14="http://schemas.microsoft.com/office/powerpoint/2010/main" val="3862257423"/>
+      </p:ext>
+    </p:extLst>
+  </p:cSld>
+  <p:clrMapOvr>
+    <a:masterClrMapping/>
+  </p:clrMapOvr>
+</p:sld>
+</file>
+
+<file path=ppt/slides/slide13.xml><?xml version="1.0" encoding="utf-8"?>
+<p:sld xmlns:a="http://schemas.openxmlformats.org/drawingml/2006/main" xmlns:r="http://schemas.openxmlformats.org/officeDocument/2006/relationships" xmlns:p="http://schemas.openxmlformats.org/presentationml/2006/main">
+  <p:cSld>
+    <p:spTree>
+      <p:nvGrpSpPr>
+        <p:cNvPr id="1" name=""/>
+        <p:cNvGrpSpPr/>
+        <p:nvPr/>
+      </p:nvGrpSpPr>
+      <p:grpSpPr>
+        <a:xfrm>
+          <a:off x="0" y="0"/>
+          <a:ext cx="0" cy="0"/>
+          <a:chOff x="0" y="0"/>
+          <a:chExt cx="0" cy="0"/>
+        </a:xfrm>
+      </p:grpSpPr>
+      <p:sp>
+        <p:nvSpPr>
+          <p:cNvPr id="2" name="Title 1">
+            <a:extLst>
+              <a:ext uri="{FF2B5EF4-FFF2-40B4-BE49-F238E27FC236}">
+                <a16:creationId xmlns:a16="http://schemas.microsoft.com/office/drawing/2014/main" id="{37FB2521-31E1-83BE-C7F6-0DFD6293ADDA}"/>
+              </a:ext>
+            </a:extLst>
+          </p:cNvPr>
+          <p:cNvSpPr>
+            <a:spLocks noGrp="1"/>
+          </p:cNvSpPr>
+          <p:nvPr>
+            <p:ph type="title"/>
+          </p:nvPr>
+        </p:nvSpPr>
+        <p:spPr/>
+        <p:txBody>
+          <a:bodyPr/>
+          <a:lstStyle/>
+          <a:p>
+            <a:r>
+              <a:rPr lang="en-US" dirty="0"/>
+              <a:t>Python Runtime</a:t>
+            </a:r>
+          </a:p>
+        </p:txBody>
+      </p:sp>
+      <p:sp>
+        <p:nvSpPr>
+          <p:cNvPr id="3" name="Content Placeholder 2">
+            <a:extLst>
+              <a:ext uri="{FF2B5EF4-FFF2-40B4-BE49-F238E27FC236}">
+                <a16:creationId xmlns:a16="http://schemas.microsoft.com/office/drawing/2014/main" id="{B1989BFE-A74E-5D92-84A9-2C2BCCC09EE5}"/>
+              </a:ext>
+            </a:extLst>
+          </p:cNvPr>
+          <p:cNvSpPr>
+            <a:spLocks noGrp="1"/>
+          </p:cNvSpPr>
+          <p:nvPr>
+            <p:ph idx="1"/>
+          </p:nvPr>
+        </p:nvSpPr>
+        <p:spPr/>
+        <p:txBody>
+          <a:bodyPr/>
+          <a:lstStyle/>
+          <a:p>
+            <a:r>
+              <a:rPr lang="en-US" dirty="0"/>
+              <a:t>Python</a:t>
+            </a:r>
+          </a:p>
+          <a:p>
+            <a:r>
+              <a:rPr lang="en-US" dirty="0"/>
+              <a:t>Kind of Hybrid for performance reasons</a:t>
+            </a:r>
+          </a:p>
+          <a:p>
+            <a:r>
+              <a:rPr lang="en-US" dirty="0"/>
+              <a:t>__</a:t>
+            </a:r>
+            <a:r>
+              <a:rPr lang="en-US" dirty="0" err="1"/>
+              <a:t>pycache</a:t>
+            </a:r>
+            <a:r>
+              <a:rPr lang="en-US" dirty="0"/>
+              <a:t>__ ( byte code)</a:t>
+            </a:r>
+          </a:p>
+          <a:p>
+            <a:endParaRPr lang="en-US" dirty="0"/>
+          </a:p>
+        </p:txBody>
+      </p:sp>
+    </p:spTree>
+    <p:extLst>
+      <p:ext uri="{BB962C8B-B14F-4D97-AF65-F5344CB8AC3E}">
+        <p14:creationId xmlns:p14="http://schemas.microsoft.com/office/powerpoint/2010/main" val="3423991403"/>
+      </p:ext>
+    </p:extLst>
+  </p:cSld>
+  <p:clrMapOvr>
+    <a:masterClrMapping/>
+  </p:clrMapOvr>
+</p:sld>
+</file>
+
+<file path=ppt/slides/slide14.xml><?xml version="1.0" encoding="utf-8"?>
+<p:sld xmlns:a="http://schemas.openxmlformats.org/drawingml/2006/main" xmlns:r="http://schemas.openxmlformats.org/officeDocument/2006/relationships" xmlns:p="http://schemas.openxmlformats.org/presentationml/2006/main">
+  <p:cSld>
+    <p:spTree>
+      <p:nvGrpSpPr>
+        <p:cNvPr id="1" name=""/>
+        <p:cNvGrpSpPr/>
+        <p:nvPr/>
+      </p:nvGrpSpPr>
+      <p:grpSpPr>
+        <a:xfrm>
+          <a:off x="0" y="0"/>
+          <a:ext cx="0" cy="0"/>
+          <a:chOff x="0" y="0"/>
+          <a:chExt cx="0" cy="0"/>
+        </a:xfrm>
+      </p:grpSpPr>
+      <p:sp>
+        <p:nvSpPr>
+          <p:cNvPr id="2" name="Title 1">
+            <a:extLst>
+              <a:ext uri="{FF2B5EF4-FFF2-40B4-BE49-F238E27FC236}">
+                <a16:creationId xmlns:a16="http://schemas.microsoft.com/office/drawing/2014/main" id="{ACBF2ED3-4EB8-47D2-07FA-2FF18C34F829}"/>
+              </a:ext>
+            </a:extLst>
+          </p:cNvPr>
+          <p:cNvSpPr>
+            <a:spLocks noGrp="1"/>
+          </p:cNvSpPr>
+          <p:nvPr>
+            <p:ph type="title"/>
+          </p:nvPr>
+        </p:nvSpPr>
+        <p:spPr/>
+        <p:txBody>
+          <a:bodyPr/>
+          <a:lstStyle/>
+          <a:p>
+            <a:r>
+              <a:rPr lang="en-US" dirty="0"/>
+              <a:t>JavaScript Runtime</a:t>
+            </a:r>
+          </a:p>
+        </p:txBody>
+      </p:sp>
+      <p:sp>
+        <p:nvSpPr>
+          <p:cNvPr id="3" name="Content Placeholder 2">
+            <a:extLst>
+              <a:ext uri="{FF2B5EF4-FFF2-40B4-BE49-F238E27FC236}">
+                <a16:creationId xmlns:a16="http://schemas.microsoft.com/office/drawing/2014/main" id="{864C8F1E-3D85-D87D-8F38-6695C15A57DC}"/>
+              </a:ext>
+            </a:extLst>
+          </p:cNvPr>
+          <p:cNvSpPr>
+            <a:spLocks noGrp="1"/>
+          </p:cNvSpPr>
+          <p:nvPr>
+            <p:ph idx="1"/>
+          </p:nvPr>
+        </p:nvSpPr>
+        <p:spPr/>
+        <p:txBody>
+          <a:bodyPr/>
+          <a:lstStyle/>
+          <a:p>
+            <a:endParaRPr lang="en-US"/>
+          </a:p>
+        </p:txBody>
+      </p:sp>
+    </p:spTree>
+    <p:extLst>
+      <p:ext uri="{BB962C8B-B14F-4D97-AF65-F5344CB8AC3E}">
+        <p14:creationId xmlns:p14="http://schemas.microsoft.com/office/powerpoint/2010/main" val="3740524336"/>
+      </p:ext>
+    </p:extLst>
+  </p:cSld>
+  <p:clrMapOvr>
+    <a:masterClrMapping/>
+  </p:clrMapOvr>
+</p:sld>
+</file>
+
+<file path=ppt/slides/slide15.xml><?xml version="1.0" encoding="utf-8"?>
+<p:sld xmlns:a="http://schemas.openxmlformats.org/drawingml/2006/main" xmlns:r="http://schemas.openxmlformats.org/officeDocument/2006/relationships" xmlns:p="http://schemas.openxmlformats.org/presentationml/2006/main">
+  <p:cSld>
+    <p:spTree>
+      <p:nvGrpSpPr>
+        <p:cNvPr id="1" name=""/>
+        <p:cNvGrpSpPr/>
+        <p:nvPr/>
+      </p:nvGrpSpPr>
+      <p:grpSpPr>
+        <a:xfrm>
+          <a:off x="0" y="0"/>
+          <a:ext cx="0" cy="0"/>
+          <a:chOff x="0" y="0"/>
+          <a:chExt cx="0" cy="0"/>
+        </a:xfrm>
+      </p:grpSpPr>
+      <p:sp>
+        <p:nvSpPr>
+          <p:cNvPr id="2" name="Title 1">
+            <a:extLst>
+              <a:ext uri="{FF2B5EF4-FFF2-40B4-BE49-F238E27FC236}">
+                <a16:creationId xmlns:a16="http://schemas.microsoft.com/office/drawing/2014/main" id="{1C06987B-4B31-B630-9D96-F5C6D3A013C0}"/>
+              </a:ext>
+            </a:extLst>
+          </p:cNvPr>
+          <p:cNvSpPr>
+            <a:spLocks noGrp="1"/>
+          </p:cNvSpPr>
+          <p:nvPr>
+            <p:ph type="title"/>
+          </p:nvPr>
+        </p:nvSpPr>
+        <p:spPr/>
+        <p:txBody>
+          <a:bodyPr/>
+          <a:lstStyle/>
+          <a:p>
+            <a:r>
+              <a:rPr lang="en-US" dirty="0"/>
+              <a:t>Java Runtime</a:t>
+            </a:r>
+          </a:p>
+        </p:txBody>
+      </p:sp>
+      <p:sp>
+        <p:nvSpPr>
+          <p:cNvPr id="3" name="Content Placeholder 2">
+            <a:extLst>
+              <a:ext uri="{FF2B5EF4-FFF2-40B4-BE49-F238E27FC236}">
+                <a16:creationId xmlns:a16="http://schemas.microsoft.com/office/drawing/2014/main" id="{A3B30385-FDFB-F703-E7AA-76E71F0C384A}"/>
+              </a:ext>
+            </a:extLst>
+          </p:cNvPr>
+          <p:cNvSpPr>
+            <a:spLocks noGrp="1"/>
+          </p:cNvSpPr>
+          <p:nvPr>
+            <p:ph idx="1"/>
+          </p:nvPr>
+        </p:nvSpPr>
+        <p:spPr/>
+        <p:txBody>
+          <a:bodyPr/>
+          <a:lstStyle/>
+          <a:p>
+            <a:r>
+              <a:rPr lang="en-US" dirty="0"/>
+              <a:t>Traditional compiler to "byte code"</a:t>
+            </a:r>
+          </a:p>
+          <a:p>
+            <a:pPr lvl="1"/>
+            <a:r>
+              <a:rPr lang="en-US" dirty="0" err="1"/>
+              <a:t>javac</a:t>
+            </a:r>
+            <a:r>
+              <a:rPr lang="en-US" dirty="0"/>
+              <a:t> </a:t>
+            </a:r>
+            <a:r>
+              <a:rPr lang="en-US" dirty="0" err="1"/>
+              <a:t>hello.java</a:t>
+            </a:r>
+            <a:r>
+              <a:rPr lang="en-US" dirty="0"/>
+              <a:t> -&gt; </a:t>
+            </a:r>
+            <a:r>
+              <a:rPr lang="en-US" dirty="0" err="1"/>
+              <a:t>hello.class</a:t>
+            </a:r>
+            <a:endParaRPr lang="en-US" dirty="0"/>
+          </a:p>
+          <a:p>
+            <a:r>
+              <a:rPr lang="en-US" dirty="0"/>
+              <a:t>Java virtual machine (JVM) runtime – byte code emulator</a:t>
+            </a:r>
+          </a:p>
+          <a:p>
+            <a:pPr lvl="1"/>
+            <a:r>
+              <a:rPr lang="en-US" dirty="0"/>
+              <a:t>java </a:t>
+            </a:r>
+            <a:r>
+              <a:rPr lang="en-US" dirty="0" err="1"/>
+              <a:t>hello.class</a:t>
+            </a:r>
+            <a:endParaRPr lang="en-US" dirty="0"/>
+          </a:p>
+          <a:p>
+            <a:r>
+              <a:rPr lang="en-US" dirty="0"/>
+              <a:t>Just in time (JIT) compiler (a.k.a. Hotspot compiler)</a:t>
+            </a:r>
+          </a:p>
+          <a:p>
+            <a:r>
+              <a:rPr lang="en-US" dirty="0"/>
+              <a:t>JVM supports multiple languages</a:t>
+            </a:r>
+          </a:p>
+          <a:p>
+            <a:pPr lvl="1"/>
+            <a:r>
+              <a:rPr lang="en-US" dirty="0"/>
+              <a:t>Scala …</a:t>
+            </a:r>
+          </a:p>
+        </p:txBody>
+      </p:sp>
+    </p:spTree>
+    <p:extLst>
+      <p:ext uri="{BB962C8B-B14F-4D97-AF65-F5344CB8AC3E}">
+        <p14:creationId xmlns:p14="http://schemas.microsoft.com/office/powerpoint/2010/main" val="750224463"/>
+      </p:ext>
+    </p:extLst>
+  </p:cSld>
+  <p:clrMapOvr>
+    <a:masterClrMapping/>
+  </p:clrMapOvr>
+</p:sld>
+</file>
+
+<file path=ppt/slides/slide16.xml><?xml version="1.0" encoding="utf-8"?>
+<p:sld xmlns:a="http://schemas.openxmlformats.org/drawingml/2006/main" xmlns:r="http://schemas.openxmlformats.org/officeDocument/2006/relationships" xmlns:p="http://schemas.openxmlformats.org/presentationml/2006/main">
+  <p:cSld>
+    <p:spTree>
+      <p:nvGrpSpPr>
+        <p:cNvPr id="1" name=""/>
+        <p:cNvGrpSpPr/>
+        <p:nvPr/>
+      </p:nvGrpSpPr>
+      <p:grpSpPr>
+        <a:xfrm>
+          <a:off x="0" y="0"/>
+          <a:ext cx="0" cy="0"/>
+          <a:chOff x="0" y="0"/>
+          <a:chExt cx="0" cy="0"/>
+        </a:xfrm>
+      </p:grpSpPr>
+      <p:sp>
+        <p:nvSpPr>
+          <p:cNvPr id="2" name="Title 1">
+            <a:extLst>
+              <a:ext uri="{FF2B5EF4-FFF2-40B4-BE49-F238E27FC236}">
+                <a16:creationId xmlns:a16="http://schemas.microsoft.com/office/drawing/2014/main" id="{0CEF55A7-1A8E-45F1-4550-9F5ED53B8353}"/>
+              </a:ext>
+            </a:extLst>
+          </p:cNvPr>
+          <p:cNvSpPr>
+            <a:spLocks noGrp="1"/>
+          </p:cNvSpPr>
+          <p:nvPr>
+            <p:ph type="title"/>
+          </p:nvPr>
+        </p:nvSpPr>
+        <p:spPr/>
+        <p:txBody>
+          <a:bodyPr/>
+          <a:lstStyle/>
+          <a:p>
+            <a:r>
+              <a:rPr lang="en-US" dirty="0"/>
+              <a:t>PHP runtime</a:t>
+            </a:r>
+          </a:p>
+        </p:txBody>
+      </p:sp>
+      <p:sp>
+        <p:nvSpPr>
+          <p:cNvPr id="3" name="Content Placeholder 2">
+            <a:extLst>
+              <a:ext uri="{FF2B5EF4-FFF2-40B4-BE49-F238E27FC236}">
+                <a16:creationId xmlns:a16="http://schemas.microsoft.com/office/drawing/2014/main" id="{B62C8F53-EAEC-1F4A-BAE6-FFC3EA574A2F}"/>
+              </a:ext>
+            </a:extLst>
+          </p:cNvPr>
+          <p:cNvSpPr>
+            <a:spLocks noGrp="1"/>
+          </p:cNvSpPr>
+          <p:nvPr>
+            <p:ph idx="1"/>
+          </p:nvPr>
+        </p:nvSpPr>
+        <p:spPr/>
+        <p:txBody>
+          <a:bodyPr/>
+          <a:lstStyle/>
+          <a:p>
+            <a:endParaRPr lang="en-US"/>
+          </a:p>
+        </p:txBody>
+      </p:sp>
+    </p:spTree>
+    <p:extLst>
+      <p:ext uri="{BB962C8B-B14F-4D97-AF65-F5344CB8AC3E}">
+        <p14:creationId xmlns:p14="http://schemas.microsoft.com/office/powerpoint/2010/main" val="2943985763"/>
+      </p:ext>
+    </p:extLst>
+  </p:cSld>
+  <p:clrMapOvr>
+    <a:masterClrMapping/>
+  </p:clrMapOvr>
+</p:sld>
+</file>
+
+<file path=ppt/slides/slide17.xml><?xml version="1.0" encoding="utf-8"?>
+<p:sld xmlns:a="http://schemas.openxmlformats.org/drawingml/2006/main" xmlns:r="http://schemas.openxmlformats.org/officeDocument/2006/relationships" xmlns:p="http://schemas.openxmlformats.org/presentationml/2006/main">
+  <p:cSld>
+    <p:spTree>
+      <p:nvGrpSpPr>
+        <p:cNvPr id="1" name=""/>
+        <p:cNvGrpSpPr/>
+        <p:nvPr/>
+      </p:nvGrpSpPr>
+      <p:grpSpPr>
+        <a:xfrm>
+          <a:off x="0" y="0"/>
+          <a:ext cx="0" cy="0"/>
+          <a:chOff x="0" y="0"/>
+          <a:chExt cx="0" cy="0"/>
+        </a:xfrm>
+      </p:grpSpPr>
+      <p:sp>
+        <p:nvSpPr>
+          <p:cNvPr id="2" name="Title 1">
+            <a:extLst>
+              <a:ext uri="{FF2B5EF4-FFF2-40B4-BE49-F238E27FC236}">
+                <a16:creationId xmlns:a16="http://schemas.microsoft.com/office/drawing/2014/main" id="{E40DFDAC-04BA-0A0E-E859-9C13175F635B}"/>
+              </a:ext>
+            </a:extLst>
+          </p:cNvPr>
+          <p:cNvSpPr>
+            <a:spLocks noGrp="1"/>
+          </p:cNvSpPr>
+          <p:nvPr>
+            <p:ph type="title"/>
+          </p:nvPr>
+        </p:nvSpPr>
+        <p:spPr/>
+        <p:txBody>
+          <a:bodyPr/>
+          <a:lstStyle/>
+          <a:p>
+            <a:r>
+              <a:rPr lang="en-US" dirty="0"/>
+              <a:t>Interpreter</a:t>
+            </a:r>
+          </a:p>
+        </p:txBody>
+      </p:sp>
+      <p:sp>
+        <p:nvSpPr>
+          <p:cNvPr id="3" name="Content Placeholder 2">
+            <a:extLst>
+              <a:ext uri="{FF2B5EF4-FFF2-40B4-BE49-F238E27FC236}">
+                <a16:creationId xmlns:a16="http://schemas.microsoft.com/office/drawing/2014/main" id="{AA59729C-3E4E-FAD5-8CB9-7DA498AD43C5}"/>
+              </a:ext>
+            </a:extLst>
+          </p:cNvPr>
+          <p:cNvSpPr>
+            <a:spLocks noGrp="1"/>
+          </p:cNvSpPr>
+          <p:nvPr>
+            <p:ph idx="1"/>
+          </p:nvPr>
+        </p:nvSpPr>
+        <p:spPr/>
+        <p:txBody>
+          <a:bodyPr/>
+          <a:lstStyle/>
+          <a:p>
+            <a:endParaRPr lang="en-US" dirty="0"/>
+          </a:p>
+        </p:txBody>
+      </p:sp>
+    </p:spTree>
+    <p:extLst>
+      <p:ext uri="{BB962C8B-B14F-4D97-AF65-F5344CB8AC3E}">
+        <p14:creationId xmlns:p14="http://schemas.microsoft.com/office/powerpoint/2010/main" val="3183535237"/>
+      </p:ext>
+    </p:extLst>
+  </p:cSld>
+  <p:clrMapOvr>
+    <a:masterClrMapping/>
+  </p:clrMapOvr>
+</p:sld>
+</file>
+
+<file path=ppt/slides/slide18.xml><?xml version="1.0" encoding="utf-8"?>
+<p:sld xmlns:a="http://schemas.openxmlformats.org/drawingml/2006/main" xmlns:r="http://schemas.openxmlformats.org/officeDocument/2006/relationships" xmlns:p="http://schemas.openxmlformats.org/presentationml/2006/main">
+  <p:cSld>
+    <p:spTree>
+      <p:nvGrpSpPr>
+        <p:cNvPr id="1" name=""/>
+        <p:cNvGrpSpPr/>
+        <p:nvPr/>
+      </p:nvGrpSpPr>
+      <p:grpSpPr>
+        <a:xfrm>
+          <a:off x="0" y="0"/>
+          <a:ext cx="0" cy="0"/>
+          <a:chOff x="0" y="0"/>
+          <a:chExt cx="0" cy="0"/>
+        </a:xfrm>
+      </p:grpSpPr>
+      <p:sp>
+        <p:nvSpPr>
+          <p:cNvPr id="4" name="Title 3">
+            <a:extLst>
+              <a:ext uri="{FF2B5EF4-FFF2-40B4-BE49-F238E27FC236}">
+                <a16:creationId xmlns:a16="http://schemas.microsoft.com/office/drawing/2014/main" id="{408E3B30-9842-CD75-D02D-3C0AB6FE0289}"/>
+              </a:ext>
+            </a:extLst>
+          </p:cNvPr>
+          <p:cNvSpPr>
+            <a:spLocks noGrp="1"/>
+          </p:cNvSpPr>
+          <p:nvPr>
+            <p:ph type="title"/>
+          </p:nvPr>
+        </p:nvSpPr>
+        <p:spPr/>
+        <p:txBody>
+          <a:bodyPr/>
+          <a:lstStyle/>
+          <a:p>
+            <a:r>
+              <a:rPr lang="en-US" dirty="0"/>
+              <a:t>Virtualization</a:t>
+            </a:r>
+          </a:p>
+        </p:txBody>
+      </p:sp>
+      <p:sp>
+        <p:nvSpPr>
+          <p:cNvPr id="5" name="Text Placeholder 4">
+            <a:extLst>
+              <a:ext uri="{FF2B5EF4-FFF2-40B4-BE49-F238E27FC236}">
+                <a16:creationId xmlns:a16="http://schemas.microsoft.com/office/drawing/2014/main" id="{96A039B7-1D10-432D-56A4-6E957517FB0F}"/>
+              </a:ext>
+            </a:extLst>
+          </p:cNvPr>
+          <p:cNvSpPr>
+            <a:spLocks noGrp="1"/>
+          </p:cNvSpPr>
+          <p:nvPr>
+            <p:ph type="body" idx="1"/>
+          </p:nvPr>
+        </p:nvSpPr>
+        <p:spPr/>
+        <p:txBody>
+          <a:bodyPr/>
+          <a:lstStyle/>
+          <a:p>
+            <a:endParaRPr lang="en-US"/>
+          </a:p>
+        </p:txBody>
+      </p:sp>
+    </p:spTree>
+    <p:extLst>
+      <p:ext uri="{BB962C8B-B14F-4D97-AF65-F5344CB8AC3E}">
+        <p14:creationId xmlns:p14="http://schemas.microsoft.com/office/powerpoint/2010/main" val="1037398776"/>
+      </p:ext>
+    </p:extLst>
+  </p:cSld>
+  <p:clrMapOvr>
+    <a:masterClrMapping/>
+  </p:clrMapOvr>
+</p:sld>
+</file>
+
+<file path=ppt/slides/slide19.xml><?xml version="1.0" encoding="utf-8"?>
+<p:sld xmlns:a="http://schemas.openxmlformats.org/drawingml/2006/main" xmlns:r="http://schemas.openxmlformats.org/officeDocument/2006/relationships" xmlns:p="http://schemas.openxmlformats.org/presentationml/2006/main">
+  <p:cSld>
+    <p:spTree>
+      <p:nvGrpSpPr>
+        <p:cNvPr id="1" name=""/>
+        <p:cNvGrpSpPr/>
+        <p:nvPr/>
+      </p:nvGrpSpPr>
+      <p:grpSpPr>
+        <a:xfrm>
+          <a:off x="0" y="0"/>
+          <a:ext cx="0" cy="0"/>
+          <a:chOff x="0" y="0"/>
+          <a:chExt cx="0" cy="0"/>
+        </a:xfrm>
+      </p:grpSpPr>
+      <p:sp>
+        <p:nvSpPr>
+          <p:cNvPr id="4" name="Title 3">
+            <a:extLst>
+              <a:ext uri="{FF2B5EF4-FFF2-40B4-BE49-F238E27FC236}">
+                <a16:creationId xmlns:a16="http://schemas.microsoft.com/office/drawing/2014/main" id="{72BCC3BF-B65D-22E0-EE7A-B2B69253C06A}"/>
+              </a:ext>
+            </a:extLst>
+          </p:cNvPr>
+          <p:cNvSpPr>
+            <a:spLocks noGrp="1"/>
+          </p:cNvSpPr>
+          <p:nvPr>
+            <p:ph type="title"/>
+          </p:nvPr>
+        </p:nvSpPr>
+        <p:spPr/>
+        <p:txBody>
+          <a:bodyPr/>
+          <a:lstStyle/>
+          <a:p>
+            <a:r>
+              <a:rPr lang="en-US" dirty="0"/>
+              <a:t>Virtualization</a:t>
+            </a:r>
+          </a:p>
+        </p:txBody>
+      </p:sp>
+      <p:sp>
+        <p:nvSpPr>
+          <p:cNvPr id="5" name="Content Placeholder 4">
+            <a:extLst>
+              <a:ext uri="{FF2B5EF4-FFF2-40B4-BE49-F238E27FC236}">
+                <a16:creationId xmlns:a16="http://schemas.microsoft.com/office/drawing/2014/main" id="{BBE7C797-9F5B-A597-6D54-FD3265B88D04}"/>
+              </a:ext>
+            </a:extLst>
+          </p:cNvPr>
+          <p:cNvSpPr>
+            <a:spLocks noGrp="1"/>
+          </p:cNvSpPr>
+          <p:nvPr>
+            <p:ph idx="1"/>
+          </p:nvPr>
+        </p:nvSpPr>
+        <p:spPr/>
+        <p:txBody>
+          <a:bodyPr/>
+          <a:lstStyle/>
+          <a:p>
+            <a:r>
+              <a:rPr lang="en-US" dirty="0"/>
+              <a:t>Modern CPUs have support for virtualization</a:t>
+            </a:r>
+          </a:p>
+          <a:p>
+            <a:r>
+              <a:rPr lang="en-US" dirty="0"/>
+              <a:t>CP/CMS</a:t>
+            </a:r>
+          </a:p>
+          <a:p>
+            <a:r>
+              <a:rPr lang="en-US" dirty="0"/>
+              <a:t>Parallels on Mac and Windows</a:t>
+            </a:r>
+          </a:p>
+          <a:p>
+            <a:r>
+              <a:rPr lang="en-US" dirty="0" err="1"/>
+              <a:t>Vmware</a:t>
+            </a:r>
+            <a:endParaRPr lang="en-US" dirty="0"/>
+          </a:p>
+          <a:p>
+            <a:r>
+              <a:rPr lang="en-US" dirty="0"/>
+              <a:t>Docker</a:t>
+            </a:r>
+          </a:p>
+          <a:p>
+            <a:r>
+              <a:rPr lang="en-US" dirty="0"/>
+              <a:t>VirtualBox (Oracle)</a:t>
+            </a:r>
+          </a:p>
+        </p:txBody>
+      </p:sp>
+    </p:spTree>
+    <p:extLst>
+      <p:ext uri="{BB962C8B-B14F-4D97-AF65-F5344CB8AC3E}">
+        <p14:creationId xmlns:p14="http://schemas.microsoft.com/office/powerpoint/2010/main" val="1529713462"/>
       </p:ext>
     </p:extLst>
   </p:cSld>
